--- a/talks/qff_london/slides/images/tkf_cp_framework.pptx
+++ b/talks/qff_london/slides/images/tkf_cp_framework.pptx
@@ -262,7 +262,7 @@
           <a:p>
             <a:fld id="{3CBCE968-9D39-4C4F-B7CB-50BC436AED93}" type="datetimeFigureOut">
               <a:rPr lang="en-GB" smtClean="0"/>
-              <a:t>21/05/2025</a:t>
+              <a:t>22/05/2025</a:t>
             </a:fld>
             <a:endParaRPr lang="en-GB"/>
           </a:p>
@@ -462,7 +462,7 @@
           <a:p>
             <a:fld id="{3CBCE968-9D39-4C4F-B7CB-50BC436AED93}" type="datetimeFigureOut">
               <a:rPr lang="en-GB" smtClean="0"/>
-              <a:t>21/05/2025</a:t>
+              <a:t>22/05/2025</a:t>
             </a:fld>
             <a:endParaRPr lang="en-GB"/>
           </a:p>
@@ -672,7 +672,7 @@
           <a:p>
             <a:fld id="{3CBCE968-9D39-4C4F-B7CB-50BC436AED93}" type="datetimeFigureOut">
               <a:rPr lang="en-GB" smtClean="0"/>
-              <a:t>21/05/2025</a:t>
+              <a:t>22/05/2025</a:t>
             </a:fld>
             <a:endParaRPr lang="en-GB"/>
           </a:p>
@@ -872,7 +872,7 @@
           <a:p>
             <a:fld id="{3CBCE968-9D39-4C4F-B7CB-50BC436AED93}" type="datetimeFigureOut">
               <a:rPr lang="en-GB" smtClean="0"/>
-              <a:t>21/05/2025</a:t>
+              <a:t>22/05/2025</a:t>
             </a:fld>
             <a:endParaRPr lang="en-GB"/>
           </a:p>
@@ -1148,7 +1148,7 @@
           <a:p>
             <a:fld id="{3CBCE968-9D39-4C4F-B7CB-50BC436AED93}" type="datetimeFigureOut">
               <a:rPr lang="en-GB" smtClean="0"/>
-              <a:t>21/05/2025</a:t>
+              <a:t>22/05/2025</a:t>
             </a:fld>
             <a:endParaRPr lang="en-GB"/>
           </a:p>
@@ -1416,7 +1416,7 @@
           <a:p>
             <a:fld id="{3CBCE968-9D39-4C4F-B7CB-50BC436AED93}" type="datetimeFigureOut">
               <a:rPr lang="en-GB" smtClean="0"/>
-              <a:t>21/05/2025</a:t>
+              <a:t>22/05/2025</a:t>
             </a:fld>
             <a:endParaRPr lang="en-GB"/>
           </a:p>
@@ -1831,7 +1831,7 @@
           <a:p>
             <a:fld id="{3CBCE968-9D39-4C4F-B7CB-50BC436AED93}" type="datetimeFigureOut">
               <a:rPr lang="en-GB" smtClean="0"/>
-              <a:t>21/05/2025</a:t>
+              <a:t>22/05/2025</a:t>
             </a:fld>
             <a:endParaRPr lang="en-GB"/>
           </a:p>
@@ -1973,7 +1973,7 @@
           <a:p>
             <a:fld id="{3CBCE968-9D39-4C4F-B7CB-50BC436AED93}" type="datetimeFigureOut">
               <a:rPr lang="en-GB" smtClean="0"/>
-              <a:t>21/05/2025</a:t>
+              <a:t>22/05/2025</a:t>
             </a:fld>
             <a:endParaRPr lang="en-GB"/>
           </a:p>
@@ -2086,7 +2086,7 @@
           <a:p>
             <a:fld id="{3CBCE968-9D39-4C4F-B7CB-50BC436AED93}" type="datetimeFigureOut">
               <a:rPr lang="en-GB" smtClean="0"/>
-              <a:t>21/05/2025</a:t>
+              <a:t>22/05/2025</a:t>
             </a:fld>
             <a:endParaRPr lang="en-GB"/>
           </a:p>
@@ -2399,7 +2399,7 @@
           <a:p>
             <a:fld id="{3CBCE968-9D39-4C4F-B7CB-50BC436AED93}" type="datetimeFigureOut">
               <a:rPr lang="en-GB" smtClean="0"/>
-              <a:t>21/05/2025</a:t>
+              <a:t>22/05/2025</a:t>
             </a:fld>
             <a:endParaRPr lang="en-GB"/>
           </a:p>
@@ -2688,7 +2688,7 @@
           <a:p>
             <a:fld id="{3CBCE968-9D39-4C4F-B7CB-50BC436AED93}" type="datetimeFigureOut">
               <a:rPr lang="en-GB" smtClean="0"/>
-              <a:t>21/05/2025</a:t>
+              <a:t>22/05/2025</a:t>
             </a:fld>
             <a:endParaRPr lang="en-GB"/>
           </a:p>
@@ -2931,7 +2931,7 @@
           <a:p>
             <a:fld id="{3CBCE968-9D39-4C4F-B7CB-50BC436AED93}" type="datetimeFigureOut">
               <a:rPr lang="en-GB" smtClean="0"/>
-              <a:t>21/05/2025</a:t>
+              <a:t>22/05/2025</a:t>
             </a:fld>
             <a:endParaRPr lang="en-GB"/>
           </a:p>
@@ -3392,12 +3392,7 @@
               <a:schemeClr val="bg1"/>
             </a:solidFill>
             <a:ln w="12700">
-              <a:solidFill>
-                <a:schemeClr val="tx1">
-                  <a:lumMod val="85000"/>
-                  <a:lumOff val="15000"/>
-                </a:schemeClr>
-              </a:solidFill>
+              <a:noFill/>
             </a:ln>
           </p:spPr>
           <p:style>
@@ -3445,6 +3440,9 @@
               <a:avLst/>
             </a:prstGeom>
             <a:noFill/>
+            <a:ln>
+              <a:noFill/>
+            </a:ln>
           </p:spPr>
           <p:txBody>
             <a:bodyPr wrap="square">
@@ -3634,12 +3632,7 @@
               <a:schemeClr val="bg1"/>
             </a:solidFill>
             <a:ln w="12700">
-              <a:solidFill>
-                <a:schemeClr val="tx1">
-                  <a:lumMod val="85000"/>
-                  <a:lumOff val="15000"/>
-                </a:schemeClr>
-              </a:solidFill>
+              <a:noFill/>
             </a:ln>
           </p:spPr>
           <p:style>
@@ -3687,6 +3680,9 @@
               <a:avLst/>
             </a:prstGeom>
             <a:noFill/>
+            <a:ln>
+              <a:noFill/>
+            </a:ln>
           </p:spPr>
           <p:txBody>
             <a:bodyPr wrap="square">
@@ -3889,12 +3885,7 @@
               <a:schemeClr val="bg1"/>
             </a:solidFill>
             <a:ln w="12700">
-              <a:solidFill>
-                <a:schemeClr val="tx1">
-                  <a:lumMod val="85000"/>
-                  <a:lumOff val="15000"/>
-                </a:schemeClr>
-              </a:solidFill>
+              <a:noFill/>
             </a:ln>
           </p:spPr>
           <p:style>
@@ -3942,6 +3933,9 @@
               <a:avLst/>
             </a:prstGeom>
             <a:noFill/>
+            <a:ln>
+              <a:noFill/>
+            </a:ln>
           </p:spPr>
           <p:txBody>
             <a:bodyPr wrap="square">
@@ -4099,12 +4093,7 @@
               <a:schemeClr val="bg1"/>
             </a:solidFill>
             <a:ln w="12700">
-              <a:solidFill>
-                <a:schemeClr val="tx1">
-                  <a:lumMod val="85000"/>
-                  <a:lumOff val="15000"/>
-                </a:schemeClr>
-              </a:solidFill>
+              <a:noFill/>
             </a:ln>
           </p:spPr>
           <p:style>
@@ -4152,6 +4141,9 @@
               <a:avLst/>
             </a:prstGeom>
             <a:noFill/>
+            <a:ln>
+              <a:noFill/>
+            </a:ln>
           </p:spPr>
           <p:txBody>
             <a:bodyPr wrap="square">
@@ -4407,12 +4399,7 @@
               <a:schemeClr val="bg1"/>
             </a:solidFill>
             <a:ln w="12700">
-              <a:solidFill>
-                <a:schemeClr val="tx1">
-                  <a:lumMod val="85000"/>
-                  <a:lumOff val="15000"/>
-                </a:schemeClr>
-              </a:solidFill>
+              <a:noFill/>
             </a:ln>
           </p:spPr>
           <p:style>
@@ -4460,6 +4447,9 @@
               <a:avLst/>
             </a:prstGeom>
             <a:noFill/>
+            <a:ln>
+              <a:noFill/>
+            </a:ln>
           </p:spPr>
           <p:txBody>
             <a:bodyPr wrap="square">
@@ -4697,12 +4687,7 @@
               <a:schemeClr val="bg1"/>
             </a:solidFill>
             <a:ln w="12700">
-              <a:solidFill>
-                <a:schemeClr val="tx1">
-                  <a:lumMod val="85000"/>
-                  <a:lumOff val="15000"/>
-                </a:schemeClr>
-              </a:solidFill>
+              <a:noFill/>
             </a:ln>
           </p:spPr>
           <p:style>
@@ -4750,6 +4735,9 @@
               <a:avLst/>
             </a:prstGeom>
             <a:noFill/>
+            <a:ln>
+              <a:noFill/>
+            </a:ln>
           </p:spPr>
           <p:txBody>
             <a:bodyPr wrap="square">
@@ -5263,6 +5251,7 @@
             <a:chOff x="298960" y="1272671"/>
             <a:chExt cx="11361174" cy="4312657"/>
           </a:xfrm>
+          <a:noFill/>
         </p:grpSpPr>
         <p:sp>
           <p:nvSpPr>
@@ -5284,9 +5273,7 @@
             <a:prstGeom prst="rect">
               <a:avLst/>
             </a:prstGeom>
-            <a:solidFill>
-              <a:schemeClr val="bg1"/>
-            </a:solidFill>
+            <a:grpFill/>
             <a:ln w="12700">
               <a:solidFill>
                 <a:schemeClr val="tx1"/>
@@ -5349,9 +5336,7 @@
             <a:prstGeom prst="rect">
               <a:avLst/>
             </a:prstGeom>
-            <a:solidFill>
-              <a:schemeClr val="bg1"/>
-            </a:solidFill>
+            <a:grpFill/>
             <a:ln w="12700">
               <a:solidFill>
                 <a:schemeClr val="tx1"/>
@@ -5470,7 +5455,7 @@
                   <a:latin typeface="Assistant" pitchFamily="2" charset="-79"/>
                   <a:cs typeface="Assistant" pitchFamily="2" charset="-79"/>
                 </a:rPr>
-                <a:t>Monthly time granularity</a:t>
+                <a:t>Monthly time granularity with 100 observations</a:t>
               </a:r>
             </a:p>
             <a:p>
@@ -5583,9 +5568,7 @@
             <a:prstGeom prst="rect">
               <a:avLst/>
             </a:prstGeom>
-            <a:solidFill>
-              <a:schemeClr val="bg1"/>
-            </a:solidFill>
+            <a:grpFill/>
             <a:ln w="12700">
               <a:solidFill>
                 <a:schemeClr val="tx1"/>
@@ -5648,9 +5631,7 @@
             <a:prstGeom prst="rect">
               <a:avLst/>
             </a:prstGeom>
-            <a:solidFill>
-              <a:schemeClr val="bg1"/>
-            </a:solidFill>
+            <a:grpFill/>
             <a:ln w="12700">
               <a:solidFill>
                 <a:schemeClr val="tx1"/>
@@ -5974,9 +5955,7 @@
             <a:prstGeom prst="rect">
               <a:avLst/>
             </a:prstGeom>
-            <a:solidFill>
-              <a:schemeClr val="bg1"/>
-            </a:solidFill>
+            <a:grpFill/>
             <a:ln w="12700">
               <a:solidFill>
                 <a:schemeClr val="tx1"/>
@@ -6039,9 +6018,7 @@
             <a:prstGeom prst="rect">
               <a:avLst/>
             </a:prstGeom>
-            <a:solidFill>
-              <a:schemeClr val="bg1"/>
-            </a:solidFill>
+            <a:grpFill/>
             <a:ln w="12700">
               <a:solidFill>
                 <a:schemeClr val="tx1"/>
@@ -6207,9 +6184,7 @@
             <a:prstGeom prst="rect">
               <a:avLst/>
             </a:prstGeom>
-            <a:solidFill>
-              <a:schemeClr val="bg1"/>
-            </a:solidFill>
+            <a:grpFill/>
             <a:ln w="12700">
               <a:solidFill>
                 <a:schemeClr val="tx1"/>
@@ -6272,9 +6247,7 @@
             <a:prstGeom prst="rect">
               <a:avLst/>
             </a:prstGeom>
-            <a:solidFill>
-              <a:schemeClr val="bg1"/>
-            </a:solidFill>
+            <a:grpFill/>
             <a:ln w="12700">
               <a:solidFill>
                 <a:schemeClr val="tx1"/>
@@ -6540,7 +6513,7 @@
             <a:prstGeom prst="straightConnector1">
               <a:avLst/>
             </a:prstGeom>
-            <a:noFill/>
+            <a:grpFill/>
             <a:ln w="12700">
               <a:solidFill>
                 <a:schemeClr val="tx1"/>
@@ -6587,7 +6560,7 @@
             <a:prstGeom prst="straightConnector1">
               <a:avLst/>
             </a:prstGeom>
-            <a:noFill/>
+            <a:grpFill/>
             <a:ln w="12700">
               <a:solidFill>
                 <a:schemeClr val="tx1"/>
@@ -6634,7 +6607,7 @@
             <a:prstGeom prst="straightConnector1">
               <a:avLst/>
             </a:prstGeom>
-            <a:noFill/>
+            <a:grpFill/>
             <a:ln w="12700">
               <a:solidFill>
                 <a:schemeClr val="tx1"/>

--- a/talks/qff_london/slides/images/tkf_cp_framework.pptx
+++ b/talks/qff_london/slides/images/tkf_cp_framework.pptx
@@ -3348,1615 +3348,1501 @@
           <a:chExt cx="0" cy="0"/>
         </a:xfrm>
       </p:grpSpPr>
-      <p:grpSp>
-        <p:nvGrpSpPr>
-          <p:cNvPr id="27" name="Group 26">
-            <a:extLst>
-              <a:ext uri="{FF2B5EF4-FFF2-40B4-BE49-F238E27FC236}">
-                <a16:creationId xmlns:a16="http://schemas.microsoft.com/office/drawing/2014/main" id="{C1DEC71C-D97E-E468-A6AE-663EA957B3EC}"/>
-              </a:ext>
-            </a:extLst>
-          </p:cNvPr>
-          <p:cNvGrpSpPr/>
+      <p:sp>
+        <p:nvSpPr>
+          <p:cNvPr id="29" name="Rectangle 28">
+            <a:extLst>
+              <a:ext uri="{FF2B5EF4-FFF2-40B4-BE49-F238E27FC236}">
+                <a16:creationId xmlns:a16="http://schemas.microsoft.com/office/drawing/2014/main" id="{5D46845A-80FF-EADD-9FD9-5F76263F02E6}"/>
+              </a:ext>
+            </a:extLst>
+          </p:cNvPr>
+          <p:cNvSpPr/>
           <p:nvPr/>
-        </p:nvGrpSpPr>
-        <p:grpSpPr>
+        </p:nvSpPr>
+        <p:spPr>
           <a:xfrm>
             <a:off x="12751047" y="5416170"/>
             <a:ext cx="4680000" cy="4680000"/>
-            <a:chOff x="484816" y="730293"/>
-            <a:chExt cx="2184741" cy="2043525"/>
           </a:xfrm>
-        </p:grpSpPr>
-        <p:sp>
-          <p:nvSpPr>
-            <p:cNvPr id="29" name="Rectangle 28">
-              <a:extLst>
-                <a:ext uri="{FF2B5EF4-FFF2-40B4-BE49-F238E27FC236}">
-                  <a16:creationId xmlns:a16="http://schemas.microsoft.com/office/drawing/2014/main" id="{5D46845A-80FF-EADD-9FD9-5F76263F02E6}"/>
-                </a:ext>
-              </a:extLst>
-            </p:cNvPr>
-            <p:cNvSpPr/>
-            <p:nvPr/>
-          </p:nvSpPr>
-          <p:spPr>
-            <a:xfrm>
-              <a:off x="484816" y="730293"/>
-              <a:ext cx="2184741" cy="2043525"/>
-            </a:xfrm>
-            <a:prstGeom prst="rect">
-              <a:avLst/>
-            </a:prstGeom>
+          <a:prstGeom prst="rect">
+            <a:avLst/>
+          </a:prstGeom>
+          <a:solidFill>
+            <a:schemeClr val="bg1"/>
+          </a:solidFill>
+          <a:ln w="12700">
             <a:solidFill>
-              <a:schemeClr val="bg1"/>
+              <a:schemeClr val="tx1"/>
             </a:solidFill>
-            <a:ln w="12700">
-              <a:noFill/>
-            </a:ln>
-          </p:spPr>
-          <p:style>
-            <a:lnRef idx="2">
-              <a:schemeClr val="accent1">
-                <a:shade val="15000"/>
-              </a:schemeClr>
-            </a:lnRef>
-            <a:fillRef idx="1">
-              <a:schemeClr val="accent1"/>
-            </a:fillRef>
-            <a:effectRef idx="0">
-              <a:schemeClr val="accent1"/>
-            </a:effectRef>
-            <a:fontRef idx="minor">
-              <a:schemeClr val="lt1"/>
-            </a:fontRef>
-          </p:style>
-          <p:txBody>
-            <a:bodyPr rtlCol="0" anchor="ctr"/>
-            <a:lstStyle/>
-            <a:p>
-              <a:endParaRPr lang="en-GB" sz="2000"/>
-            </a:p>
-          </p:txBody>
-        </p:sp>
-        <p:sp>
-          <p:nvSpPr>
-            <p:cNvPr id="28" name="TextBox 27">
-              <a:extLst>
-                <a:ext uri="{FF2B5EF4-FFF2-40B4-BE49-F238E27FC236}">
-                  <a16:creationId xmlns:a16="http://schemas.microsoft.com/office/drawing/2014/main" id="{92D1F966-F7D3-A6BD-F132-E3D6893A132F}"/>
-                </a:ext>
-              </a:extLst>
-            </p:cNvPr>
-            <p:cNvSpPr txBox="1"/>
-            <p:nvPr/>
-          </p:nvSpPr>
-          <p:spPr>
-            <a:xfrm>
-              <a:off x="484817" y="744306"/>
-              <a:ext cx="2184740" cy="963368"/>
-            </a:xfrm>
-            <a:prstGeom prst="rect">
-              <a:avLst/>
-            </a:prstGeom>
+          </a:ln>
+        </p:spPr>
+        <p:style>
+          <a:lnRef idx="2">
+            <a:schemeClr val="accent1">
+              <a:shade val="15000"/>
+            </a:schemeClr>
+          </a:lnRef>
+          <a:fillRef idx="1">
+            <a:schemeClr val="accent1"/>
+          </a:fillRef>
+          <a:effectRef idx="0">
+            <a:schemeClr val="accent1"/>
+          </a:effectRef>
+          <a:fontRef idx="minor">
+            <a:schemeClr val="lt1"/>
+          </a:fontRef>
+        </p:style>
+        <p:txBody>
+          <a:bodyPr rtlCol="0" anchor="ctr"/>
+          <a:lstStyle/>
+          <a:p>
+            <a:endParaRPr lang="en-GB" sz="2000"/>
+          </a:p>
+        </p:txBody>
+      </p:sp>
+      <p:sp>
+        <p:nvSpPr>
+          <p:cNvPr id="28" name="TextBox 27">
+            <a:extLst>
+              <a:ext uri="{FF2B5EF4-FFF2-40B4-BE49-F238E27FC236}">
+                <a16:creationId xmlns:a16="http://schemas.microsoft.com/office/drawing/2014/main" id="{92D1F966-F7D3-A6BD-F132-E3D6893A132F}"/>
+              </a:ext>
+            </a:extLst>
+          </p:cNvPr>
+          <p:cNvSpPr txBox="1"/>
+          <p:nvPr/>
+        </p:nvSpPr>
+        <p:spPr>
+          <a:xfrm>
+            <a:off x="12751049" y="5448262"/>
+            <a:ext cx="4679998" cy="2206267"/>
+          </a:xfrm>
+          <a:prstGeom prst="rect">
+            <a:avLst/>
+          </a:prstGeom>
+          <a:noFill/>
+          <a:ln>
             <a:noFill/>
-            <a:ln>
-              <a:noFill/>
-            </a:ln>
-          </p:spPr>
-          <p:txBody>
-            <a:bodyPr wrap="square">
-              <a:spAutoFit/>
-            </a:bodyPr>
-            <a:lstStyle/>
-            <a:p>
-              <a:pPr marL="0" marR="0" lvl="0" indent="0" defTabSz="914400" rtl="0" eaLnBrk="1" fontAlgn="auto" latinLnBrk="0" hangingPunct="1">
-                <a:lnSpc>
-                  <a:spcPct val="100000"/>
-                </a:lnSpc>
-                <a:spcBef>
-                  <a:spcPts val="0"/>
-                </a:spcBef>
-                <a:spcAft>
-                  <a:spcPts val="600"/>
-                </a:spcAft>
-                <a:buClrTx/>
-                <a:buSzTx/>
-                <a:buFontTx/>
-                <a:buNone/>
-                <a:tabLst/>
-                <a:defRPr/>
-              </a:pPr>
-              <a:r>
-                <a:rPr lang="en-GB" sz="2000" b="1" dirty="0">
-                  <a:solidFill>
-                    <a:prstClr val="black"/>
-                  </a:solidFill>
-                  <a:latin typeface="Aptos" panose="02110004020202020204"/>
-                </a:rPr>
-                <a:t>Output</a:t>
-              </a:r>
-            </a:p>
-            <a:p>
-              <a:pPr marL="0" marR="0" lvl="0" indent="0" defTabSz="914400" rtl="0" eaLnBrk="1" fontAlgn="auto" latinLnBrk="0" hangingPunct="1">
-                <a:lnSpc>
-                  <a:spcPct val="100000"/>
-                </a:lnSpc>
-                <a:spcBef>
-                  <a:spcPts val="0"/>
-                </a:spcBef>
-                <a:spcAft>
-                  <a:spcPts val="600"/>
-                </a:spcAft>
-                <a:buClrTx/>
-                <a:buSzTx/>
-                <a:buFontTx/>
-                <a:buNone/>
-                <a:tabLst/>
-                <a:defRPr/>
-              </a:pPr>
-              <a:r>
-                <a:rPr lang="cy-GB" sz="2000" dirty="0">
-                  <a:latin typeface="Assistant" pitchFamily="2" charset="-79"/>
-                  <a:cs typeface="Assistant" pitchFamily="2" charset="-79"/>
-                </a:rPr>
-                <a:t>True demand estimate </a:t>
-              </a:r>
-            </a:p>
-            <a:p>
-              <a:pPr marL="171450" marR="0" lvl="0" indent="-171450" defTabSz="914400" rtl="0" eaLnBrk="1" fontAlgn="auto" latinLnBrk="0" hangingPunct="1">
-                <a:lnSpc>
-                  <a:spcPct val="100000"/>
-                </a:lnSpc>
-                <a:spcBef>
-                  <a:spcPts val="0"/>
-                </a:spcBef>
-                <a:spcAft>
-                  <a:spcPts val="600"/>
-                </a:spcAft>
-                <a:buClrTx/>
-                <a:buSzTx/>
-                <a:buFont typeface="Arial" panose="020B0604020202020204" pitchFamily="34" charset="0"/>
-                <a:buChar char="•"/>
-                <a:tabLst/>
-                <a:defRPr/>
-              </a:pPr>
-              <a:r>
-                <a:rPr lang="cy-GB" sz="2000" dirty="0">
-                  <a:latin typeface="Assistant" pitchFamily="2" charset="-79"/>
-                  <a:cs typeface="Assistant" pitchFamily="2" charset="-79"/>
-                </a:rPr>
-                <a:t>(ŷₜ)</a:t>
-              </a:r>
-            </a:p>
-            <a:p>
-              <a:pPr marL="0" marR="0" lvl="0" indent="0" defTabSz="914400" rtl="0" eaLnBrk="1" fontAlgn="auto" latinLnBrk="0" hangingPunct="1">
-                <a:lnSpc>
-                  <a:spcPct val="100000"/>
-                </a:lnSpc>
-                <a:spcBef>
-                  <a:spcPts val="0"/>
-                </a:spcBef>
-                <a:spcAft>
-                  <a:spcPts val="600"/>
-                </a:spcAft>
-                <a:buClrTx/>
-                <a:buSzTx/>
-                <a:buFontTx/>
-                <a:buNone/>
-                <a:tabLst/>
-                <a:defRPr/>
-              </a:pPr>
-              <a:r>
-                <a:rPr lang="cy-GB" sz="2000" dirty="0">
-                  <a:latin typeface="Assistant" pitchFamily="2" charset="-79"/>
-                  <a:cs typeface="Assistant" pitchFamily="2" charset="-79"/>
-                </a:rPr>
-                <a:t>Prediction interval </a:t>
-              </a:r>
-            </a:p>
-            <a:p>
-              <a:pPr marL="171450" marR="0" lvl="0" indent="-171450" defTabSz="914400" rtl="0" eaLnBrk="1" fontAlgn="auto" latinLnBrk="0" hangingPunct="1">
-                <a:lnSpc>
-                  <a:spcPct val="100000"/>
-                </a:lnSpc>
-                <a:spcBef>
-                  <a:spcPts val="0"/>
-                </a:spcBef>
-                <a:spcAft>
-                  <a:spcPts val="600"/>
-                </a:spcAft>
-                <a:buClrTx/>
-                <a:buSzTx/>
-                <a:buFont typeface="Arial" panose="020B0604020202020204" pitchFamily="34" charset="0"/>
-                <a:buChar char="•"/>
-                <a:tabLst/>
-                <a:defRPr/>
-              </a:pPr>
-              <a:r>
-                <a:rPr lang="cy-GB" sz="2000" dirty="0">
-                  <a:latin typeface="Assistant" pitchFamily="2" charset="-79"/>
-                  <a:cs typeface="Assistant" pitchFamily="2" charset="-79"/>
-                </a:rPr>
-                <a:t>[max(0, ŷₜ - q_α), ŷₜ + q_α]</a:t>
-              </a:r>
-              <a:endParaRPr lang="en-GB" sz="2000" dirty="0">
+          </a:ln>
+        </p:spPr>
+        <p:txBody>
+          <a:bodyPr wrap="square">
+            <a:spAutoFit/>
+          </a:bodyPr>
+          <a:lstStyle/>
+          <a:p>
+            <a:pPr marL="0" marR="0" lvl="0" indent="0" defTabSz="914400" rtl="0" eaLnBrk="1" fontAlgn="auto" latinLnBrk="0" hangingPunct="1">
+              <a:lnSpc>
+                <a:spcPct val="100000"/>
+              </a:lnSpc>
+              <a:spcBef>
+                <a:spcPts val="0"/>
+              </a:spcBef>
+              <a:spcAft>
+                <a:spcPts val="600"/>
+              </a:spcAft>
+              <a:buClrTx/>
+              <a:buSzTx/>
+              <a:buFontTx/>
+              <a:buNone/>
+              <a:tabLst/>
+              <a:defRPr/>
+            </a:pPr>
+            <a:r>
+              <a:rPr lang="en-GB" sz="2000" b="1" dirty="0">
+                <a:solidFill>
+                  <a:prstClr val="black"/>
+                </a:solidFill>
+                <a:latin typeface="Aptos" panose="02110004020202020204"/>
+              </a:rPr>
+              <a:t>Output</a:t>
+            </a:r>
+          </a:p>
+          <a:p>
+            <a:pPr marL="0" marR="0" lvl="0" indent="0" defTabSz="914400" rtl="0" eaLnBrk="1" fontAlgn="auto" latinLnBrk="0" hangingPunct="1">
+              <a:lnSpc>
+                <a:spcPct val="100000"/>
+              </a:lnSpc>
+              <a:spcBef>
+                <a:spcPts val="0"/>
+              </a:spcBef>
+              <a:spcAft>
+                <a:spcPts val="600"/>
+              </a:spcAft>
+              <a:buClrTx/>
+              <a:buSzTx/>
+              <a:buFontTx/>
+              <a:buNone/>
+              <a:tabLst/>
+              <a:defRPr/>
+            </a:pPr>
+            <a:r>
+              <a:rPr lang="cy-GB" sz="2000" dirty="0">
                 <a:latin typeface="Assistant" pitchFamily="2" charset="-79"/>
                 <a:cs typeface="Assistant" pitchFamily="2" charset="-79"/>
-              </a:endParaRPr>
-            </a:p>
-          </p:txBody>
-        </p:sp>
-      </p:grpSp>
-      <p:grpSp>
-        <p:nvGrpSpPr>
-          <p:cNvPr id="18" name="Group 17">
-            <a:extLst>
-              <a:ext uri="{FF2B5EF4-FFF2-40B4-BE49-F238E27FC236}">
-                <a16:creationId xmlns:a16="http://schemas.microsoft.com/office/drawing/2014/main" id="{7209FEC8-AEA0-4BF5-7436-001A967EF08C}"/>
-              </a:ext>
-            </a:extLst>
-          </p:cNvPr>
-          <p:cNvGrpSpPr/>
+              </a:rPr>
+              <a:t>True demand estimate </a:t>
+            </a:r>
+          </a:p>
+          <a:p>
+            <a:pPr marL="171450" marR="0" lvl="0" indent="-171450" defTabSz="914400" rtl="0" eaLnBrk="1" fontAlgn="auto" latinLnBrk="0" hangingPunct="1">
+              <a:lnSpc>
+                <a:spcPct val="100000"/>
+              </a:lnSpc>
+              <a:spcBef>
+                <a:spcPts val="0"/>
+              </a:spcBef>
+              <a:spcAft>
+                <a:spcPts val="600"/>
+              </a:spcAft>
+              <a:buClrTx/>
+              <a:buSzTx/>
+              <a:buFont typeface="Arial" panose="020B0604020202020204" pitchFamily="34" charset="0"/>
+              <a:buChar char="•"/>
+              <a:tabLst/>
+              <a:defRPr/>
+            </a:pPr>
+            <a:r>
+              <a:rPr lang="cy-GB" sz="2000" dirty="0">
+                <a:latin typeface="Assistant" pitchFamily="2" charset="-79"/>
+                <a:cs typeface="Assistant" pitchFamily="2" charset="-79"/>
+              </a:rPr>
+              <a:t>(ŷₜ)</a:t>
+            </a:r>
+          </a:p>
+          <a:p>
+            <a:pPr marL="0" marR="0" lvl="0" indent="0" defTabSz="914400" rtl="0" eaLnBrk="1" fontAlgn="auto" latinLnBrk="0" hangingPunct="1">
+              <a:lnSpc>
+                <a:spcPct val="100000"/>
+              </a:lnSpc>
+              <a:spcBef>
+                <a:spcPts val="0"/>
+              </a:spcBef>
+              <a:spcAft>
+                <a:spcPts val="600"/>
+              </a:spcAft>
+              <a:buClrTx/>
+              <a:buSzTx/>
+              <a:buFontTx/>
+              <a:buNone/>
+              <a:tabLst/>
+              <a:defRPr/>
+            </a:pPr>
+            <a:r>
+              <a:rPr lang="cy-GB" sz="2000" dirty="0">
+                <a:latin typeface="Assistant" pitchFamily="2" charset="-79"/>
+                <a:cs typeface="Assistant" pitchFamily="2" charset="-79"/>
+              </a:rPr>
+              <a:t>Prediction interval </a:t>
+            </a:r>
+          </a:p>
+          <a:p>
+            <a:pPr marL="171450" marR="0" lvl="0" indent="-171450" defTabSz="914400" rtl="0" eaLnBrk="1" fontAlgn="auto" latinLnBrk="0" hangingPunct="1">
+              <a:lnSpc>
+                <a:spcPct val="100000"/>
+              </a:lnSpc>
+              <a:spcBef>
+                <a:spcPts val="0"/>
+              </a:spcBef>
+              <a:spcAft>
+                <a:spcPts val="600"/>
+              </a:spcAft>
+              <a:buClrTx/>
+              <a:buSzTx/>
+              <a:buFont typeface="Arial" panose="020B0604020202020204" pitchFamily="34" charset="0"/>
+              <a:buChar char="•"/>
+              <a:tabLst/>
+              <a:defRPr/>
+            </a:pPr>
+            <a:r>
+              <a:rPr lang="cy-GB" sz="2000" dirty="0">
+                <a:latin typeface="Assistant" pitchFamily="2" charset="-79"/>
+                <a:cs typeface="Assistant" pitchFamily="2" charset="-79"/>
+              </a:rPr>
+              <a:t>[max(0, ŷₜ - q_α), ŷₜ + q_α]</a:t>
+            </a:r>
+            <a:endParaRPr lang="en-GB" sz="2000" dirty="0">
+              <a:latin typeface="Assistant" pitchFamily="2" charset="-79"/>
+              <a:cs typeface="Assistant" pitchFamily="2" charset="-79"/>
+            </a:endParaRPr>
+          </a:p>
+        </p:txBody>
+      </p:sp>
+      <p:sp>
+        <p:nvSpPr>
+          <p:cNvPr id="20" name="Rectangle 19">
+            <a:extLst>
+              <a:ext uri="{FF2B5EF4-FFF2-40B4-BE49-F238E27FC236}">
+                <a16:creationId xmlns:a16="http://schemas.microsoft.com/office/drawing/2014/main" id="{8F5743D4-BA72-254C-C58B-201367D320F3}"/>
+              </a:ext>
+            </a:extLst>
+          </p:cNvPr>
+          <p:cNvSpPr/>
           <p:nvPr/>
-        </p:nvGrpSpPr>
-        <p:grpSpPr>
+        </p:nvSpPr>
+        <p:spPr>
           <a:xfrm>
             <a:off x="12751047" y="254021"/>
             <a:ext cx="4680000" cy="4680000"/>
-            <a:chOff x="484816" y="730293"/>
-            <a:chExt cx="2184741" cy="2428683"/>
           </a:xfrm>
-        </p:grpSpPr>
-        <p:sp>
-          <p:nvSpPr>
-            <p:cNvPr id="20" name="Rectangle 19">
-              <a:extLst>
-                <a:ext uri="{FF2B5EF4-FFF2-40B4-BE49-F238E27FC236}">
-                  <a16:creationId xmlns:a16="http://schemas.microsoft.com/office/drawing/2014/main" id="{8F5743D4-BA72-254C-C58B-201367D320F3}"/>
-                </a:ext>
-              </a:extLst>
-            </p:cNvPr>
-            <p:cNvSpPr/>
-            <p:nvPr/>
-          </p:nvSpPr>
-          <p:spPr>
-            <a:xfrm>
-              <a:off x="484816" y="730293"/>
-              <a:ext cx="2184741" cy="2428683"/>
-            </a:xfrm>
-            <a:prstGeom prst="rect">
-              <a:avLst/>
-            </a:prstGeom>
+          <a:prstGeom prst="rect">
+            <a:avLst/>
+          </a:prstGeom>
+          <a:solidFill>
+            <a:schemeClr val="bg1"/>
+          </a:solidFill>
+          <a:ln w="12700">
             <a:solidFill>
-              <a:schemeClr val="bg1"/>
+              <a:schemeClr val="tx1"/>
             </a:solidFill>
-            <a:ln w="12700">
-              <a:noFill/>
-            </a:ln>
-          </p:spPr>
-          <p:style>
-            <a:lnRef idx="2">
-              <a:schemeClr val="accent1">
-                <a:shade val="15000"/>
-              </a:schemeClr>
-            </a:lnRef>
-            <a:fillRef idx="1">
-              <a:schemeClr val="accent1"/>
-            </a:fillRef>
-            <a:effectRef idx="0">
-              <a:schemeClr val="accent1"/>
-            </a:effectRef>
-            <a:fontRef idx="minor">
-              <a:schemeClr val="lt1"/>
-            </a:fontRef>
-          </p:style>
-          <p:txBody>
-            <a:bodyPr rtlCol="0" anchor="ctr"/>
-            <a:lstStyle/>
-            <a:p>
-              <a:endParaRPr lang="en-GB" sz="2000"/>
-            </a:p>
-          </p:txBody>
-        </p:sp>
-        <p:sp>
-          <p:nvSpPr>
-            <p:cNvPr id="19" name="TextBox 18">
-              <a:extLst>
-                <a:ext uri="{FF2B5EF4-FFF2-40B4-BE49-F238E27FC236}">
-                  <a16:creationId xmlns:a16="http://schemas.microsoft.com/office/drawing/2014/main" id="{81FFA6FB-394B-E6B8-90EF-7D24FB1A6B33}"/>
-                </a:ext>
-              </a:extLst>
-            </p:cNvPr>
-            <p:cNvSpPr txBox="1"/>
-            <p:nvPr/>
-          </p:nvSpPr>
-          <p:spPr>
-            <a:xfrm>
-              <a:off x="484817" y="744306"/>
-              <a:ext cx="2184740" cy="1496049"/>
-            </a:xfrm>
-            <a:prstGeom prst="rect">
-              <a:avLst/>
-            </a:prstGeom>
+          </a:ln>
+        </p:spPr>
+        <p:style>
+          <a:lnRef idx="2">
+            <a:schemeClr val="accent1">
+              <a:shade val="15000"/>
+            </a:schemeClr>
+          </a:lnRef>
+          <a:fillRef idx="1">
+            <a:schemeClr val="accent1"/>
+          </a:fillRef>
+          <a:effectRef idx="0">
+            <a:schemeClr val="accent1"/>
+          </a:effectRef>
+          <a:fontRef idx="minor">
+            <a:schemeClr val="lt1"/>
+          </a:fontRef>
+        </p:style>
+        <p:txBody>
+          <a:bodyPr rtlCol="0" anchor="ctr"/>
+          <a:lstStyle/>
+          <a:p>
+            <a:endParaRPr lang="en-GB" sz="2000"/>
+          </a:p>
+        </p:txBody>
+      </p:sp>
+      <p:sp>
+        <p:nvSpPr>
+          <p:cNvPr id="19" name="TextBox 18">
+            <a:extLst>
+              <a:ext uri="{FF2B5EF4-FFF2-40B4-BE49-F238E27FC236}">
+                <a16:creationId xmlns:a16="http://schemas.microsoft.com/office/drawing/2014/main" id="{81FFA6FB-394B-E6B8-90EF-7D24FB1A6B33}"/>
+              </a:ext>
+            </a:extLst>
+          </p:cNvPr>
+          <p:cNvSpPr txBox="1"/>
+          <p:nvPr/>
+        </p:nvSpPr>
+        <p:spPr>
+          <a:xfrm>
+            <a:off x="12751049" y="281024"/>
+            <a:ext cx="4679998" cy="2882842"/>
+          </a:xfrm>
+          <a:prstGeom prst="rect">
+            <a:avLst/>
+          </a:prstGeom>
+          <a:noFill/>
+          <a:ln>
             <a:noFill/>
-            <a:ln>
-              <a:noFill/>
-            </a:ln>
-          </p:spPr>
-          <p:txBody>
-            <a:bodyPr wrap="square">
-              <a:spAutoFit/>
-            </a:bodyPr>
-            <a:lstStyle/>
-            <a:p>
-              <a:pPr marL="0" marR="0" lvl="0" indent="0" defTabSz="914400" rtl="0" eaLnBrk="1" fontAlgn="auto" latinLnBrk="0" hangingPunct="1">
-                <a:lnSpc>
-                  <a:spcPct val="100000"/>
-                </a:lnSpc>
-                <a:spcBef>
-                  <a:spcPts val="0"/>
-                </a:spcBef>
-                <a:spcAft>
-                  <a:spcPts val="600"/>
-                </a:spcAft>
-                <a:buClrTx/>
-                <a:buSzTx/>
-                <a:buFontTx/>
-                <a:buNone/>
-                <a:tabLst/>
-                <a:defRPr/>
-              </a:pPr>
-              <a:r>
-                <a:rPr lang="en-GB" sz="2000" b="1" dirty="0">
-                  <a:solidFill>
-                    <a:prstClr val="black"/>
-                  </a:solidFill>
-                  <a:latin typeface="Aptos" panose="02110004020202020204"/>
-                </a:rPr>
-                <a:t>State Prediction (Kalman Filter)</a:t>
-              </a:r>
-            </a:p>
-            <a:p>
-              <a:pPr marL="0" marR="0" lvl="0" indent="0" defTabSz="914400" rtl="0" eaLnBrk="1" fontAlgn="auto" latinLnBrk="0" hangingPunct="1">
-                <a:lnSpc>
-                  <a:spcPct val="100000"/>
-                </a:lnSpc>
-                <a:spcBef>
-                  <a:spcPts val="0"/>
-                </a:spcBef>
-                <a:spcAft>
-                  <a:spcPts val="600"/>
-                </a:spcAft>
-                <a:buClrTx/>
-                <a:buSzTx/>
-                <a:buFontTx/>
-                <a:buNone/>
-                <a:tabLst/>
-                <a:defRPr/>
-              </a:pPr>
-              <a:r>
-                <a:rPr lang="en-GB" sz="2000" dirty="0">
-                  <a:latin typeface="Assistant" pitchFamily="2" charset="-79"/>
-                  <a:cs typeface="Assistant" pitchFamily="2" charset="-79"/>
-                </a:rPr>
-                <a:t>Predict next state:</a:t>
-              </a:r>
-            </a:p>
-            <a:p>
-              <a:pPr marL="171450" marR="0" lvl="0" indent="-171450" defTabSz="914400" rtl="0" eaLnBrk="1" fontAlgn="auto" latinLnBrk="0" hangingPunct="1">
-                <a:lnSpc>
-                  <a:spcPct val="100000"/>
-                </a:lnSpc>
-                <a:spcBef>
-                  <a:spcPts val="0"/>
-                </a:spcBef>
-                <a:spcAft>
-                  <a:spcPts val="600"/>
-                </a:spcAft>
-                <a:buClrTx/>
-                <a:buSzTx/>
-                <a:buFont typeface="Arial" panose="020B0604020202020204" pitchFamily="34" charset="0"/>
-                <a:buChar char="•"/>
-                <a:tabLst/>
-                <a:defRPr/>
-              </a:pPr>
-              <a:r>
-                <a:rPr lang="en-GB" sz="2000" dirty="0">
-                  <a:latin typeface="Assistant" pitchFamily="2" charset="-79"/>
-                  <a:cs typeface="Assistant" pitchFamily="2" charset="-79"/>
-                </a:rPr>
-                <a:t>X̂ₜ|ₜ₋₁ = F * X̂ₜ₋₁|ₜ₋₁</a:t>
-              </a:r>
-            </a:p>
-            <a:p>
-              <a:pPr marL="171450" marR="0" lvl="0" indent="-171450" defTabSz="914400" rtl="0" eaLnBrk="1" fontAlgn="auto" latinLnBrk="0" hangingPunct="1">
-                <a:lnSpc>
-                  <a:spcPct val="100000"/>
-                </a:lnSpc>
-                <a:spcBef>
-                  <a:spcPts val="0"/>
-                </a:spcBef>
-                <a:spcAft>
-                  <a:spcPts val="600"/>
-                </a:spcAft>
-                <a:buClrTx/>
-                <a:buSzTx/>
-                <a:buFont typeface="Arial" panose="020B0604020202020204" pitchFamily="34" charset="0"/>
-                <a:buChar char="•"/>
-                <a:tabLst/>
-                <a:defRPr/>
-              </a:pPr>
-              <a:r>
-                <a:rPr lang="en-GB" sz="2000" dirty="0">
-                  <a:latin typeface="Assistant" pitchFamily="2" charset="-79"/>
-                  <a:cs typeface="Assistant" pitchFamily="2" charset="-79"/>
-                </a:rPr>
-                <a:t>Pₜ|ₜ₋₁ = F * Pₜ₋₁|ₜ₋₁ * Fᵀ + Qₜ</a:t>
-              </a:r>
-            </a:p>
-            <a:p>
-              <a:pPr marL="171450" indent="-171450">
-                <a:spcAft>
-                  <a:spcPts val="600"/>
-                </a:spcAft>
-                <a:buFont typeface="Arial" panose="020B0604020202020204" pitchFamily="34" charset="0"/>
-                <a:buChar char="•"/>
-                <a:defRPr/>
-              </a:pPr>
-              <a:r>
-                <a:rPr lang="en-GB" sz="2000" dirty="0">
-                  <a:latin typeface="Assistant" pitchFamily="2" charset="-79"/>
-                  <a:cs typeface="Assistant" pitchFamily="2" charset="-79"/>
-                </a:rPr>
-                <a:t>F: Transition Matrix</a:t>
-              </a:r>
-            </a:p>
-            <a:p>
-              <a:pPr marL="0" marR="0" lvl="0" indent="0" defTabSz="914400" rtl="0" eaLnBrk="1" fontAlgn="auto" latinLnBrk="0" hangingPunct="1">
-                <a:lnSpc>
-                  <a:spcPct val="100000"/>
-                </a:lnSpc>
-                <a:spcBef>
-                  <a:spcPts val="0"/>
-                </a:spcBef>
-                <a:spcAft>
-                  <a:spcPts val="600"/>
-                </a:spcAft>
-                <a:buClrTx/>
-                <a:buSzTx/>
-                <a:buFontTx/>
-                <a:buNone/>
-                <a:tabLst/>
-                <a:defRPr/>
-              </a:pPr>
-              <a:r>
-                <a:rPr lang="en-GB" sz="2000" dirty="0">
-                  <a:latin typeface="Assistant" pitchFamily="2" charset="-79"/>
-                  <a:cs typeface="Assistant" pitchFamily="2" charset="-79"/>
-                </a:rPr>
-                <a:t>If censored, increase Qₜ to reflect rising uncertainty.</a:t>
-              </a:r>
-            </a:p>
-          </p:txBody>
-        </p:sp>
-      </p:grpSp>
-      <p:grpSp>
-        <p:nvGrpSpPr>
-          <p:cNvPr id="11" name="Group 10">
-            <a:extLst>
-              <a:ext uri="{FF2B5EF4-FFF2-40B4-BE49-F238E27FC236}">
-                <a16:creationId xmlns:a16="http://schemas.microsoft.com/office/drawing/2014/main" id="{B10DCF51-485B-CEB2-911C-88AB74483787}"/>
-              </a:ext>
-            </a:extLst>
-          </p:cNvPr>
-          <p:cNvGrpSpPr/>
+          </a:ln>
+        </p:spPr>
+        <p:txBody>
+          <a:bodyPr wrap="square">
+            <a:spAutoFit/>
+          </a:bodyPr>
+          <a:lstStyle/>
+          <a:p>
+            <a:pPr marL="0" marR="0" lvl="0" indent="0" defTabSz="914400" rtl="0" eaLnBrk="1" fontAlgn="auto" latinLnBrk="0" hangingPunct="1">
+              <a:lnSpc>
+                <a:spcPct val="100000"/>
+              </a:lnSpc>
+              <a:spcBef>
+                <a:spcPts val="0"/>
+              </a:spcBef>
+              <a:spcAft>
+                <a:spcPts val="600"/>
+              </a:spcAft>
+              <a:buClrTx/>
+              <a:buSzTx/>
+              <a:buFontTx/>
+              <a:buNone/>
+              <a:tabLst/>
+              <a:defRPr/>
+            </a:pPr>
+            <a:r>
+              <a:rPr lang="en-GB" sz="2000" b="1" dirty="0">
+                <a:solidFill>
+                  <a:prstClr val="black"/>
+                </a:solidFill>
+                <a:latin typeface="Aptos" panose="02110004020202020204"/>
+              </a:rPr>
+              <a:t>State Prediction (Kalman Filter)</a:t>
+            </a:r>
+          </a:p>
+          <a:p>
+            <a:pPr marL="0" marR="0" lvl="0" indent="0" defTabSz="914400" rtl="0" eaLnBrk="1" fontAlgn="auto" latinLnBrk="0" hangingPunct="1">
+              <a:lnSpc>
+                <a:spcPct val="100000"/>
+              </a:lnSpc>
+              <a:spcBef>
+                <a:spcPts val="0"/>
+              </a:spcBef>
+              <a:spcAft>
+                <a:spcPts val="600"/>
+              </a:spcAft>
+              <a:buClrTx/>
+              <a:buSzTx/>
+              <a:buFontTx/>
+              <a:buNone/>
+              <a:tabLst/>
+              <a:defRPr/>
+            </a:pPr>
+            <a:r>
+              <a:rPr lang="en-GB" sz="2000" dirty="0">
+                <a:latin typeface="Assistant" pitchFamily="2" charset="-79"/>
+                <a:cs typeface="Assistant" pitchFamily="2" charset="-79"/>
+              </a:rPr>
+              <a:t>Predict next state:</a:t>
+            </a:r>
+          </a:p>
+          <a:p>
+            <a:pPr marL="171450" marR="0" lvl="0" indent="-171450" defTabSz="914400" rtl="0" eaLnBrk="1" fontAlgn="auto" latinLnBrk="0" hangingPunct="1">
+              <a:lnSpc>
+                <a:spcPct val="100000"/>
+              </a:lnSpc>
+              <a:spcBef>
+                <a:spcPts val="0"/>
+              </a:spcBef>
+              <a:spcAft>
+                <a:spcPts val="600"/>
+              </a:spcAft>
+              <a:buClrTx/>
+              <a:buSzTx/>
+              <a:buFont typeface="Arial" panose="020B0604020202020204" pitchFamily="34" charset="0"/>
+              <a:buChar char="•"/>
+              <a:tabLst/>
+              <a:defRPr/>
+            </a:pPr>
+            <a:r>
+              <a:rPr lang="en-GB" sz="2000" dirty="0">
+                <a:latin typeface="Assistant" pitchFamily="2" charset="-79"/>
+                <a:cs typeface="Assistant" pitchFamily="2" charset="-79"/>
+              </a:rPr>
+              <a:t>X̂ₜ|ₜ₋₁ = F * X̂ₜ₋₁|ₜ₋₁</a:t>
+            </a:r>
+          </a:p>
+          <a:p>
+            <a:pPr marL="171450" marR="0" lvl="0" indent="-171450" defTabSz="914400" rtl="0" eaLnBrk="1" fontAlgn="auto" latinLnBrk="0" hangingPunct="1">
+              <a:lnSpc>
+                <a:spcPct val="100000"/>
+              </a:lnSpc>
+              <a:spcBef>
+                <a:spcPts val="0"/>
+              </a:spcBef>
+              <a:spcAft>
+                <a:spcPts val="600"/>
+              </a:spcAft>
+              <a:buClrTx/>
+              <a:buSzTx/>
+              <a:buFont typeface="Arial" panose="020B0604020202020204" pitchFamily="34" charset="0"/>
+              <a:buChar char="•"/>
+              <a:tabLst/>
+              <a:defRPr/>
+            </a:pPr>
+            <a:r>
+              <a:rPr lang="en-GB" sz="2000" dirty="0">
+                <a:latin typeface="Assistant" pitchFamily="2" charset="-79"/>
+                <a:cs typeface="Assistant" pitchFamily="2" charset="-79"/>
+              </a:rPr>
+              <a:t>Pₜ|ₜ₋₁ = F * Pₜ₋₁|ₜ₋₁ * Fᵀ + Qₜ</a:t>
+            </a:r>
+          </a:p>
+          <a:p>
+            <a:pPr marL="171450" indent="-171450">
+              <a:spcAft>
+                <a:spcPts val="600"/>
+              </a:spcAft>
+              <a:buFont typeface="Arial" panose="020B0604020202020204" pitchFamily="34" charset="0"/>
+              <a:buChar char="•"/>
+              <a:defRPr/>
+            </a:pPr>
+            <a:r>
+              <a:rPr lang="en-GB" sz="2000" dirty="0">
+                <a:latin typeface="Assistant" pitchFamily="2" charset="-79"/>
+                <a:cs typeface="Assistant" pitchFamily="2" charset="-79"/>
+              </a:rPr>
+              <a:t>F: Transition Matrix</a:t>
+            </a:r>
+          </a:p>
+          <a:p>
+            <a:pPr marL="0" marR="0" lvl="0" indent="0" defTabSz="914400" rtl="0" eaLnBrk="1" fontAlgn="auto" latinLnBrk="0" hangingPunct="1">
+              <a:lnSpc>
+                <a:spcPct val="100000"/>
+              </a:lnSpc>
+              <a:spcBef>
+                <a:spcPts val="0"/>
+              </a:spcBef>
+              <a:spcAft>
+                <a:spcPts val="600"/>
+              </a:spcAft>
+              <a:buClrTx/>
+              <a:buSzTx/>
+              <a:buFontTx/>
+              <a:buNone/>
+              <a:tabLst/>
+              <a:defRPr/>
+            </a:pPr>
+            <a:r>
+              <a:rPr lang="en-GB" sz="2000" dirty="0">
+                <a:latin typeface="Assistant" pitchFamily="2" charset="-79"/>
+                <a:cs typeface="Assistant" pitchFamily="2" charset="-79"/>
+              </a:rPr>
+              <a:t>If censored, increase Qₜ to reflect rising uncertainty.</a:t>
+            </a:r>
+          </a:p>
+        </p:txBody>
+      </p:sp>
+      <p:sp>
+        <p:nvSpPr>
+          <p:cNvPr id="10" name="Rectangle 9">
+            <a:extLst>
+              <a:ext uri="{FF2B5EF4-FFF2-40B4-BE49-F238E27FC236}">
+                <a16:creationId xmlns:a16="http://schemas.microsoft.com/office/drawing/2014/main" id="{31058D67-E104-2BEB-6E29-06D6DE4821C6}"/>
+              </a:ext>
+            </a:extLst>
+          </p:cNvPr>
+          <p:cNvSpPr/>
           <p:nvPr/>
-        </p:nvGrpSpPr>
-        <p:grpSpPr>
+        </p:nvSpPr>
+        <p:spPr>
           <a:xfrm>
             <a:off x="785332" y="254021"/>
             <a:ext cx="4680000" cy="4680000"/>
-            <a:chOff x="484816" y="730293"/>
-            <a:chExt cx="2184741" cy="2428683"/>
           </a:xfrm>
-        </p:grpSpPr>
-        <p:sp>
-          <p:nvSpPr>
-            <p:cNvPr id="10" name="Rectangle 9">
-              <a:extLst>
-                <a:ext uri="{FF2B5EF4-FFF2-40B4-BE49-F238E27FC236}">
-                  <a16:creationId xmlns:a16="http://schemas.microsoft.com/office/drawing/2014/main" id="{31058D67-E104-2BEB-6E29-06D6DE4821C6}"/>
-                </a:ext>
-              </a:extLst>
-            </p:cNvPr>
-            <p:cNvSpPr/>
-            <p:nvPr/>
-          </p:nvSpPr>
-          <p:spPr>
-            <a:xfrm>
-              <a:off x="484816" y="730293"/>
-              <a:ext cx="2184741" cy="2428683"/>
-            </a:xfrm>
-            <a:prstGeom prst="rect">
-              <a:avLst/>
-            </a:prstGeom>
+          <a:prstGeom prst="rect">
+            <a:avLst/>
+          </a:prstGeom>
+          <a:solidFill>
+            <a:schemeClr val="bg1"/>
+          </a:solidFill>
+          <a:ln w="12700">
             <a:solidFill>
-              <a:schemeClr val="bg1"/>
+              <a:schemeClr val="tx1"/>
             </a:solidFill>
-            <a:ln w="12700">
-              <a:noFill/>
-            </a:ln>
-          </p:spPr>
-          <p:style>
-            <a:lnRef idx="2">
-              <a:schemeClr val="accent1">
-                <a:shade val="15000"/>
-              </a:schemeClr>
-            </a:lnRef>
-            <a:fillRef idx="1">
-              <a:schemeClr val="accent1"/>
-            </a:fillRef>
-            <a:effectRef idx="0">
-              <a:schemeClr val="accent1"/>
-            </a:effectRef>
-            <a:fontRef idx="minor">
-              <a:schemeClr val="lt1"/>
-            </a:fontRef>
-          </p:style>
-          <p:txBody>
-            <a:bodyPr rtlCol="0" anchor="ctr"/>
-            <a:lstStyle/>
-            <a:p>
-              <a:endParaRPr lang="en-GB" sz="2000"/>
-            </a:p>
-          </p:txBody>
-        </p:sp>
-        <p:sp>
-          <p:nvSpPr>
-            <p:cNvPr id="9" name="TextBox 8">
-              <a:extLst>
-                <a:ext uri="{FF2B5EF4-FFF2-40B4-BE49-F238E27FC236}">
-                  <a16:creationId xmlns:a16="http://schemas.microsoft.com/office/drawing/2014/main" id="{5415E294-E8E8-06AF-DB2A-51212F70CC02}"/>
-                </a:ext>
-              </a:extLst>
-            </p:cNvPr>
-            <p:cNvSpPr txBox="1"/>
-            <p:nvPr/>
-          </p:nvSpPr>
-          <p:spPr>
-            <a:xfrm>
-              <a:off x="484817" y="744306"/>
-              <a:ext cx="2184740" cy="2239698"/>
-            </a:xfrm>
-            <a:prstGeom prst="rect">
-              <a:avLst/>
-            </a:prstGeom>
+          </a:ln>
+        </p:spPr>
+        <p:style>
+          <a:lnRef idx="2">
+            <a:schemeClr val="accent1">
+              <a:shade val="15000"/>
+            </a:schemeClr>
+          </a:lnRef>
+          <a:fillRef idx="1">
+            <a:schemeClr val="accent1"/>
+          </a:fillRef>
+          <a:effectRef idx="0">
+            <a:schemeClr val="accent1"/>
+          </a:effectRef>
+          <a:fontRef idx="minor">
+            <a:schemeClr val="lt1"/>
+          </a:fontRef>
+        </p:style>
+        <p:txBody>
+          <a:bodyPr rtlCol="0" anchor="ctr"/>
+          <a:lstStyle/>
+          <a:p>
+            <a:endParaRPr lang="en-GB" sz="2000"/>
+          </a:p>
+        </p:txBody>
+      </p:sp>
+      <p:sp>
+        <p:nvSpPr>
+          <p:cNvPr id="9" name="TextBox 8">
+            <a:extLst>
+              <a:ext uri="{FF2B5EF4-FFF2-40B4-BE49-F238E27FC236}">
+                <a16:creationId xmlns:a16="http://schemas.microsoft.com/office/drawing/2014/main" id="{5415E294-E8E8-06AF-DB2A-51212F70CC02}"/>
+              </a:ext>
+            </a:extLst>
+          </p:cNvPr>
+          <p:cNvSpPr txBox="1"/>
+          <p:nvPr/>
+        </p:nvSpPr>
+        <p:spPr>
+          <a:xfrm>
+            <a:off x="785334" y="281024"/>
+            <a:ext cx="4679998" cy="4315832"/>
+          </a:xfrm>
+          <a:prstGeom prst="rect">
+            <a:avLst/>
+          </a:prstGeom>
+          <a:noFill/>
+          <a:ln>
             <a:noFill/>
-            <a:ln>
-              <a:noFill/>
-            </a:ln>
-          </p:spPr>
-          <p:txBody>
-            <a:bodyPr wrap="square">
-              <a:spAutoFit/>
-            </a:bodyPr>
-            <a:lstStyle/>
-            <a:p>
-              <a:pPr>
-                <a:spcAft>
-                  <a:spcPts val="600"/>
-                </a:spcAft>
-              </a:pPr>
-              <a:r>
-                <a:rPr lang="en-GB" sz="2000" b="1" dirty="0">
-                  <a:latin typeface="Assistant" pitchFamily="2" charset="-79"/>
-                  <a:cs typeface="Assistant" pitchFamily="2" charset="-79"/>
-                </a:rPr>
-                <a:t>Input Data &amp; Preprocessing</a:t>
-              </a:r>
-            </a:p>
-            <a:p>
-              <a:pPr>
-                <a:spcAft>
-                  <a:spcPts val="600"/>
-                </a:spcAft>
-              </a:pPr>
-              <a:r>
-                <a:rPr lang="en-GB" sz="2000" dirty="0">
-                  <a:latin typeface="Assistant" pitchFamily="2" charset="-79"/>
-                  <a:cs typeface="Assistant" pitchFamily="2" charset="-79"/>
-                </a:rPr>
-                <a:t>Collect observed demand (yₜ) and stock data (sₜ)</a:t>
-              </a:r>
-            </a:p>
-            <a:p>
-              <a:pPr>
-                <a:spcAft>
-                  <a:spcPts val="600"/>
-                </a:spcAft>
-              </a:pPr>
-              <a:r>
-                <a:rPr lang="en-GB" sz="2000" dirty="0">
-                  <a:latin typeface="Assistant" pitchFamily="2" charset="-79"/>
-                  <a:cs typeface="Assistant" pitchFamily="2" charset="-79"/>
-                </a:rPr>
-                <a:t>Label each data point:</a:t>
-              </a:r>
-            </a:p>
-            <a:p>
-              <a:pPr marL="228600" indent="-228600">
-                <a:spcAft>
-                  <a:spcPts val="600"/>
-                </a:spcAft>
-                <a:buFont typeface="Arial" panose="020B0604020202020204" pitchFamily="34" charset="0"/>
-                <a:buChar char="•"/>
-              </a:pPr>
-              <a:r>
-                <a:rPr lang="en-GB" sz="2000" dirty="0">
-                  <a:latin typeface="Assistant" pitchFamily="2" charset="-79"/>
-                  <a:cs typeface="Assistant" pitchFamily="2" charset="-79"/>
-                </a:rPr>
-                <a:t>Uncensored: Stock available and issued</a:t>
-              </a:r>
-            </a:p>
-            <a:p>
-              <a:pPr marL="228600" indent="-228600">
-                <a:spcAft>
-                  <a:spcPts val="600"/>
-                </a:spcAft>
-                <a:buFont typeface="Arial" panose="020B0604020202020204" pitchFamily="34" charset="0"/>
-                <a:buChar char="•"/>
-              </a:pPr>
-              <a:r>
-                <a:rPr lang="en-GB" sz="2000" dirty="0">
-                  <a:latin typeface="Assistant" pitchFamily="2" charset="-79"/>
-                  <a:cs typeface="Assistant" pitchFamily="2" charset="-79"/>
-                </a:rPr>
-                <a:t>Partially Censored: Demand exists, but limited by stock</a:t>
-              </a:r>
-            </a:p>
-            <a:p>
-              <a:pPr marL="228600" indent="-228600">
-                <a:spcAft>
-                  <a:spcPts val="600"/>
-                </a:spcAft>
-                <a:buFont typeface="Arial" panose="020B0604020202020204" pitchFamily="34" charset="0"/>
-                <a:buChar char="•"/>
-              </a:pPr>
-              <a:r>
-                <a:rPr lang="en-GB" sz="2000" dirty="0">
-                  <a:latin typeface="Assistant" pitchFamily="2" charset="-79"/>
-                  <a:cs typeface="Assistant" pitchFamily="2" charset="-79"/>
-                </a:rPr>
-                <a:t>Fully Censored: No stock issued, even though demand may exist</a:t>
-              </a:r>
-            </a:p>
-            <a:p>
-              <a:pPr>
-                <a:spcAft>
-                  <a:spcPts val="600"/>
-                </a:spcAft>
-              </a:pPr>
-              <a:r>
-                <a:rPr lang="en-GB" sz="2000" dirty="0">
-                  <a:latin typeface="Assistant" pitchFamily="2" charset="-79"/>
-                  <a:cs typeface="Assistant" pitchFamily="2" charset="-79"/>
-                </a:rPr>
-                <a:t>Structure data into time series (per store-product)</a:t>
-              </a:r>
-            </a:p>
-          </p:txBody>
-        </p:sp>
-      </p:grpSp>
-      <p:grpSp>
-        <p:nvGrpSpPr>
-          <p:cNvPr id="12" name="Group 11">
-            <a:extLst>
-              <a:ext uri="{FF2B5EF4-FFF2-40B4-BE49-F238E27FC236}">
-                <a16:creationId xmlns:a16="http://schemas.microsoft.com/office/drawing/2014/main" id="{2CA2D203-A621-6179-4054-2A2AD27F640A}"/>
-              </a:ext>
-            </a:extLst>
-          </p:cNvPr>
-          <p:cNvGrpSpPr/>
+          </a:ln>
+        </p:spPr>
+        <p:txBody>
+          <a:bodyPr wrap="square">
+            <a:spAutoFit/>
+          </a:bodyPr>
+          <a:lstStyle/>
+          <a:p>
+            <a:pPr>
+              <a:spcAft>
+                <a:spcPts val="600"/>
+              </a:spcAft>
+            </a:pPr>
+            <a:r>
+              <a:rPr lang="en-GB" sz="2000" b="1" dirty="0">
+                <a:latin typeface="Assistant" pitchFamily="2" charset="-79"/>
+                <a:cs typeface="Assistant" pitchFamily="2" charset="-79"/>
+              </a:rPr>
+              <a:t>Input Data &amp; Preprocessing</a:t>
+            </a:r>
+          </a:p>
+          <a:p>
+            <a:pPr>
+              <a:spcAft>
+                <a:spcPts val="600"/>
+              </a:spcAft>
+            </a:pPr>
+            <a:r>
+              <a:rPr lang="en-GB" sz="2000" dirty="0">
+                <a:latin typeface="Assistant" pitchFamily="2" charset="-79"/>
+                <a:cs typeface="Assistant" pitchFamily="2" charset="-79"/>
+              </a:rPr>
+              <a:t>Collect observed demand (yₜ) and stock data (sₜ)</a:t>
+            </a:r>
+          </a:p>
+          <a:p>
+            <a:pPr>
+              <a:spcAft>
+                <a:spcPts val="600"/>
+              </a:spcAft>
+            </a:pPr>
+            <a:r>
+              <a:rPr lang="en-GB" sz="2000" dirty="0">
+                <a:latin typeface="Assistant" pitchFamily="2" charset="-79"/>
+                <a:cs typeface="Assistant" pitchFamily="2" charset="-79"/>
+              </a:rPr>
+              <a:t>Label each data point:</a:t>
+            </a:r>
+          </a:p>
+          <a:p>
+            <a:pPr marL="228600" indent="-228600">
+              <a:spcAft>
+                <a:spcPts val="600"/>
+              </a:spcAft>
+              <a:buFont typeface="Arial" panose="020B0604020202020204" pitchFamily="34" charset="0"/>
+              <a:buChar char="•"/>
+            </a:pPr>
+            <a:r>
+              <a:rPr lang="en-GB" sz="2000" dirty="0">
+                <a:latin typeface="Assistant" pitchFamily="2" charset="-79"/>
+                <a:cs typeface="Assistant" pitchFamily="2" charset="-79"/>
+              </a:rPr>
+              <a:t>Uncensored: Stock available and issued</a:t>
+            </a:r>
+          </a:p>
+          <a:p>
+            <a:pPr marL="228600" indent="-228600">
+              <a:spcAft>
+                <a:spcPts val="600"/>
+              </a:spcAft>
+              <a:buFont typeface="Arial" panose="020B0604020202020204" pitchFamily="34" charset="0"/>
+              <a:buChar char="•"/>
+            </a:pPr>
+            <a:r>
+              <a:rPr lang="en-GB" sz="2000" dirty="0">
+                <a:latin typeface="Assistant" pitchFamily="2" charset="-79"/>
+                <a:cs typeface="Assistant" pitchFamily="2" charset="-79"/>
+              </a:rPr>
+              <a:t>Partially Censored: Demand exists, but limited by stock</a:t>
+            </a:r>
+          </a:p>
+          <a:p>
+            <a:pPr marL="228600" indent="-228600">
+              <a:spcAft>
+                <a:spcPts val="600"/>
+              </a:spcAft>
+              <a:buFont typeface="Arial" panose="020B0604020202020204" pitchFamily="34" charset="0"/>
+              <a:buChar char="•"/>
+            </a:pPr>
+            <a:r>
+              <a:rPr lang="en-GB" sz="2000" dirty="0">
+                <a:latin typeface="Assistant" pitchFamily="2" charset="-79"/>
+                <a:cs typeface="Assistant" pitchFamily="2" charset="-79"/>
+              </a:rPr>
+              <a:t>Fully Censored: No stock issued, even though demand may exist</a:t>
+            </a:r>
+          </a:p>
+          <a:p>
+            <a:pPr>
+              <a:spcAft>
+                <a:spcPts val="600"/>
+              </a:spcAft>
+            </a:pPr>
+            <a:r>
+              <a:rPr lang="en-GB" sz="2000" dirty="0">
+                <a:latin typeface="Assistant" pitchFamily="2" charset="-79"/>
+                <a:cs typeface="Assistant" pitchFamily="2" charset="-79"/>
+              </a:rPr>
+              <a:t>Structure data into time series (per store-product)</a:t>
+            </a:r>
+          </a:p>
+        </p:txBody>
+      </p:sp>
+      <p:sp>
+        <p:nvSpPr>
+          <p:cNvPr id="14" name="Rectangle 13">
+            <a:extLst>
+              <a:ext uri="{FF2B5EF4-FFF2-40B4-BE49-F238E27FC236}">
+                <a16:creationId xmlns:a16="http://schemas.microsoft.com/office/drawing/2014/main" id="{57A894E0-6D14-6E6E-20DA-03E7360369FD}"/>
+              </a:ext>
+            </a:extLst>
+          </p:cNvPr>
+          <p:cNvSpPr/>
           <p:nvPr/>
-        </p:nvGrpSpPr>
-        <p:grpSpPr>
+        </p:nvSpPr>
+        <p:spPr>
           <a:xfrm>
             <a:off x="6830728" y="254021"/>
             <a:ext cx="4680000" cy="4680000"/>
-            <a:chOff x="484816" y="730293"/>
-            <a:chExt cx="2184741" cy="2428683"/>
           </a:xfrm>
-        </p:grpSpPr>
-        <p:sp>
-          <p:nvSpPr>
-            <p:cNvPr id="14" name="Rectangle 13">
-              <a:extLst>
-                <a:ext uri="{FF2B5EF4-FFF2-40B4-BE49-F238E27FC236}">
-                  <a16:creationId xmlns:a16="http://schemas.microsoft.com/office/drawing/2014/main" id="{57A894E0-6D14-6E6E-20DA-03E7360369FD}"/>
-                </a:ext>
-              </a:extLst>
-            </p:cNvPr>
-            <p:cNvSpPr/>
-            <p:nvPr/>
-          </p:nvSpPr>
-          <p:spPr>
-            <a:xfrm>
-              <a:off x="484816" y="730293"/>
-              <a:ext cx="2184741" cy="2428683"/>
-            </a:xfrm>
-            <a:prstGeom prst="rect">
-              <a:avLst/>
-            </a:prstGeom>
+          <a:prstGeom prst="rect">
+            <a:avLst/>
+          </a:prstGeom>
+          <a:solidFill>
+            <a:schemeClr val="bg1"/>
+          </a:solidFill>
+          <a:ln w="12700">
+            <a:noFill/>
+          </a:ln>
+        </p:spPr>
+        <p:style>
+          <a:lnRef idx="2">
+            <a:schemeClr val="accent1">
+              <a:shade val="15000"/>
+            </a:schemeClr>
+          </a:lnRef>
+          <a:fillRef idx="1">
+            <a:schemeClr val="accent1"/>
+          </a:fillRef>
+          <a:effectRef idx="0">
+            <a:schemeClr val="accent1"/>
+          </a:effectRef>
+          <a:fontRef idx="minor">
+            <a:schemeClr val="lt1"/>
+          </a:fontRef>
+        </p:style>
+        <p:txBody>
+          <a:bodyPr rtlCol="0" anchor="ctr"/>
+          <a:lstStyle/>
+          <a:p>
+            <a:endParaRPr lang="en-GB" sz="2000"/>
+          </a:p>
+        </p:txBody>
+      </p:sp>
+      <p:sp>
+        <p:nvSpPr>
+          <p:cNvPr id="13" name="TextBox 12">
+            <a:extLst>
+              <a:ext uri="{FF2B5EF4-FFF2-40B4-BE49-F238E27FC236}">
+                <a16:creationId xmlns:a16="http://schemas.microsoft.com/office/drawing/2014/main" id="{C5CE265A-DFB2-E693-0B91-D4F06B52615D}"/>
+              </a:ext>
+            </a:extLst>
+          </p:cNvPr>
+          <p:cNvSpPr txBox="1"/>
+          <p:nvPr/>
+        </p:nvSpPr>
+        <p:spPr>
+          <a:xfrm>
+            <a:off x="6830730" y="281024"/>
+            <a:ext cx="4679998" cy="4484418"/>
+          </a:xfrm>
+          <a:prstGeom prst="rect">
+            <a:avLst/>
+          </a:prstGeom>
+          <a:noFill/>
+          <a:ln>
             <a:solidFill>
-              <a:schemeClr val="bg1"/>
+              <a:schemeClr val="tx1"/>
             </a:solidFill>
-            <a:ln w="12700">
-              <a:noFill/>
-            </a:ln>
-          </p:spPr>
-          <p:style>
-            <a:lnRef idx="2">
-              <a:schemeClr val="accent1">
-                <a:shade val="15000"/>
-              </a:schemeClr>
-            </a:lnRef>
-            <a:fillRef idx="1">
-              <a:schemeClr val="accent1"/>
-            </a:fillRef>
-            <a:effectRef idx="0">
-              <a:schemeClr val="accent1"/>
-            </a:effectRef>
-            <a:fontRef idx="minor">
-              <a:schemeClr val="lt1"/>
-            </a:fontRef>
-          </p:style>
-          <p:txBody>
-            <a:bodyPr rtlCol="0" anchor="ctr"/>
-            <a:lstStyle/>
-            <a:p>
-              <a:endParaRPr lang="en-GB" sz="2000"/>
-            </a:p>
-          </p:txBody>
-        </p:sp>
-        <p:sp>
-          <p:nvSpPr>
-            <p:cNvPr id="13" name="TextBox 12">
-              <a:extLst>
-                <a:ext uri="{FF2B5EF4-FFF2-40B4-BE49-F238E27FC236}">
-                  <a16:creationId xmlns:a16="http://schemas.microsoft.com/office/drawing/2014/main" id="{C5CE265A-DFB2-E693-0B91-D4F06B52615D}"/>
-                </a:ext>
-              </a:extLst>
-            </p:cNvPr>
-            <p:cNvSpPr txBox="1"/>
-            <p:nvPr/>
-          </p:nvSpPr>
-          <p:spPr>
-            <a:xfrm>
-              <a:off x="484817" y="744306"/>
-              <a:ext cx="2184740" cy="2327186"/>
-            </a:xfrm>
-            <a:prstGeom prst="rect">
-              <a:avLst/>
-            </a:prstGeom>
-            <a:noFill/>
-            <a:ln>
-              <a:noFill/>
-            </a:ln>
-          </p:spPr>
-          <p:txBody>
-            <a:bodyPr wrap="square">
-              <a:spAutoFit/>
-            </a:bodyPr>
-            <a:lstStyle/>
-            <a:p>
-              <a:pPr marL="0" marR="0" lvl="0" indent="0" defTabSz="914400" rtl="0" eaLnBrk="1" fontAlgn="auto" latinLnBrk="0" hangingPunct="1">
-                <a:lnSpc>
-                  <a:spcPct val="100000"/>
-                </a:lnSpc>
-                <a:spcBef>
-                  <a:spcPts val="0"/>
-                </a:spcBef>
-                <a:spcAft>
-                  <a:spcPts val="600"/>
-                </a:spcAft>
-                <a:buClrTx/>
-                <a:buSzTx/>
-                <a:buFontTx/>
-                <a:buNone/>
-                <a:tabLst/>
-                <a:defRPr/>
-              </a:pPr>
-              <a:r>
-                <a:rPr lang="en-GB" sz="2000" b="1" dirty="0">
-                  <a:solidFill>
-                    <a:prstClr val="black"/>
-                  </a:solidFill>
-                  <a:latin typeface="Aptos" panose="02110004020202020204"/>
-                </a:rPr>
-                <a:t>Initialize the State-Space Model</a:t>
-              </a:r>
-            </a:p>
-            <a:p>
-              <a:pPr>
-                <a:spcAft>
-                  <a:spcPts val="600"/>
-                </a:spcAft>
-              </a:pPr>
-              <a:r>
-                <a:rPr lang="en-GB" sz="2000" dirty="0">
-                  <a:latin typeface="Assistant" pitchFamily="2" charset="-79"/>
-                  <a:cs typeface="Assistant" pitchFamily="2" charset="-79"/>
-                </a:rPr>
-                <a:t>Define latent state: </a:t>
-              </a:r>
-            </a:p>
-            <a:p>
-              <a:pPr>
-                <a:spcAft>
-                  <a:spcPts val="600"/>
-                </a:spcAft>
-              </a:pPr>
-              <a:r>
-                <a:rPr lang="en-GB" sz="2000" dirty="0">
-                  <a:latin typeface="Assistant" pitchFamily="2" charset="-79"/>
-                  <a:cs typeface="Assistant" pitchFamily="2" charset="-79"/>
-                </a:rPr>
-                <a:t>Xₜ = [level ℓₜ, trend </a:t>
-              </a:r>
-              <a:r>
-                <a:rPr lang="el-GR" sz="2000" dirty="0">
-                  <a:latin typeface="Assistant" pitchFamily="2" charset="-79"/>
-                  <a:cs typeface="Assistant" pitchFamily="2" charset="-79"/>
-                </a:rPr>
-                <a:t>τ</a:t>
-              </a:r>
-              <a:r>
-                <a:rPr lang="en-GB" sz="2000" dirty="0">
-                  <a:latin typeface="Assistant" pitchFamily="2" charset="-79"/>
-                  <a:cs typeface="Assistant" pitchFamily="2" charset="-79"/>
-                </a:rPr>
-                <a:t>ₜ, seasonality </a:t>
-              </a:r>
-              <a:r>
-                <a:rPr lang="el-GR" sz="2000" dirty="0">
-                  <a:latin typeface="Assistant" pitchFamily="2" charset="-79"/>
-                  <a:cs typeface="Assistant" pitchFamily="2" charset="-79"/>
-                </a:rPr>
-                <a:t>γ</a:t>
-              </a:r>
-              <a:r>
-                <a:rPr lang="en-GB" sz="2000" dirty="0">
-                  <a:latin typeface="Assistant" pitchFamily="2" charset="-79"/>
-                  <a:cs typeface="Assistant" pitchFamily="2" charset="-79"/>
-                </a:rPr>
-                <a:t>ₜ]</a:t>
-              </a:r>
-            </a:p>
-            <a:p>
-              <a:pPr>
-                <a:spcAft>
-                  <a:spcPts val="600"/>
-                </a:spcAft>
-              </a:pPr>
-              <a:r>
-                <a:rPr lang="en-GB" sz="2000" dirty="0">
-                  <a:latin typeface="Assistant" pitchFamily="2" charset="-79"/>
-                  <a:cs typeface="Assistant" pitchFamily="2" charset="-79"/>
-                </a:rPr>
-                <a:t>Initialize using STL decomposition:</a:t>
-              </a:r>
-            </a:p>
-            <a:p>
-              <a:pPr marL="171450" indent="-171450">
-                <a:spcAft>
-                  <a:spcPts val="600"/>
-                </a:spcAft>
-                <a:buFont typeface="Arial" panose="020B0604020202020204" pitchFamily="34" charset="0"/>
-                <a:buChar char="•"/>
-              </a:pPr>
-              <a:r>
-                <a:rPr lang="en-GB" sz="2000" dirty="0">
-                  <a:latin typeface="Assistant" pitchFamily="2" charset="-79"/>
-                  <a:cs typeface="Assistant" pitchFamily="2" charset="-79"/>
-                </a:rPr>
-                <a:t>ℓ₀: last trend value</a:t>
-              </a:r>
-            </a:p>
-            <a:p>
-              <a:pPr marL="171450" indent="-171450">
-                <a:spcAft>
-                  <a:spcPts val="600"/>
-                </a:spcAft>
-                <a:buFont typeface="Arial" panose="020B0604020202020204" pitchFamily="34" charset="0"/>
-                <a:buChar char="•"/>
-              </a:pPr>
-              <a:r>
-                <a:rPr lang="el-GR" sz="2000" dirty="0">
-                  <a:latin typeface="Assistant" pitchFamily="2" charset="-79"/>
-                  <a:cs typeface="Assistant" pitchFamily="2" charset="-79"/>
-                </a:rPr>
-                <a:t>τ₀: </a:t>
-              </a:r>
-              <a:r>
-                <a:rPr lang="en-GB" sz="2000" dirty="0">
-                  <a:latin typeface="Assistant" pitchFamily="2" charset="-79"/>
-                  <a:cs typeface="Assistant" pitchFamily="2" charset="-79"/>
-                </a:rPr>
-                <a:t>recent trend slope</a:t>
-              </a:r>
-            </a:p>
-            <a:p>
-              <a:pPr marL="171450" indent="-171450">
-                <a:spcAft>
-                  <a:spcPts val="600"/>
-                </a:spcAft>
-                <a:buFont typeface="Arial" panose="020B0604020202020204" pitchFamily="34" charset="0"/>
-                <a:buChar char="•"/>
-              </a:pPr>
-              <a:r>
-                <a:rPr lang="el-GR" sz="2000" dirty="0">
-                  <a:latin typeface="Assistant" pitchFamily="2" charset="-79"/>
-                  <a:cs typeface="Assistant" pitchFamily="2" charset="-79"/>
-                </a:rPr>
-                <a:t>γ₀: </a:t>
-              </a:r>
-              <a:r>
-                <a:rPr lang="en-GB" sz="2000" dirty="0">
-                  <a:latin typeface="Assistant" pitchFamily="2" charset="-79"/>
-                  <a:cs typeface="Assistant" pitchFamily="2" charset="-79"/>
-                </a:rPr>
-                <a:t>final or mean seasonal pattern</a:t>
-              </a:r>
-            </a:p>
-            <a:p>
-              <a:pPr>
-                <a:spcAft>
-                  <a:spcPts val="600"/>
-                </a:spcAft>
-              </a:pPr>
-              <a:r>
-                <a:rPr lang="en-GB" sz="2000" dirty="0">
-                  <a:latin typeface="Assistant" pitchFamily="2" charset="-79"/>
-                  <a:cs typeface="Assistant" pitchFamily="2" charset="-79"/>
-                </a:rPr>
-                <a:t>Set initial uncertainty: P₀ = diagonal of STL variances</a:t>
-              </a:r>
-            </a:p>
-            <a:p>
-              <a:pPr>
-                <a:spcAft>
-                  <a:spcPts val="600"/>
-                </a:spcAft>
-              </a:pPr>
-              <a:r>
-                <a:rPr lang="en-GB" sz="2000" dirty="0">
-                  <a:latin typeface="Assistant" pitchFamily="2" charset="-79"/>
-                  <a:cs typeface="Assistant" pitchFamily="2" charset="-79"/>
-                </a:rPr>
-                <a:t>Set model parameters: Q₀, R, </a:t>
-              </a:r>
-              <a:r>
-                <a:rPr lang="el-GR" sz="2000" dirty="0">
-                  <a:latin typeface="Assistant" pitchFamily="2" charset="-79"/>
-                  <a:cs typeface="Assistant" pitchFamily="2" charset="-79"/>
-                </a:rPr>
-                <a:t>φ, λ</a:t>
-              </a:r>
-              <a:r>
-                <a:rPr lang="en-GB" sz="2000" dirty="0">
-                  <a:latin typeface="Assistant" pitchFamily="2" charset="-79"/>
-                  <a:cs typeface="Assistant" pitchFamily="2" charset="-79"/>
-                </a:rPr>
-                <a:t> (Use MLE to optimise parameters)</a:t>
-              </a:r>
-            </a:p>
-          </p:txBody>
-        </p:sp>
-      </p:grpSp>
-      <p:grpSp>
-        <p:nvGrpSpPr>
-          <p:cNvPr id="21" name="Group 20">
-            <a:extLst>
-              <a:ext uri="{FF2B5EF4-FFF2-40B4-BE49-F238E27FC236}">
-                <a16:creationId xmlns:a16="http://schemas.microsoft.com/office/drawing/2014/main" id="{5BF8A782-F5BB-8256-F9E7-ED2BBBA75171}"/>
-              </a:ext>
-            </a:extLst>
-          </p:cNvPr>
-          <p:cNvGrpSpPr/>
+          </a:ln>
+        </p:spPr>
+        <p:txBody>
+          <a:bodyPr wrap="square">
+            <a:spAutoFit/>
+          </a:bodyPr>
+          <a:lstStyle/>
+          <a:p>
+            <a:pPr marL="0" marR="0" lvl="0" indent="0" defTabSz="914400" rtl="0" eaLnBrk="1" fontAlgn="auto" latinLnBrk="0" hangingPunct="1">
+              <a:lnSpc>
+                <a:spcPct val="100000"/>
+              </a:lnSpc>
+              <a:spcBef>
+                <a:spcPts val="0"/>
+              </a:spcBef>
+              <a:spcAft>
+                <a:spcPts val="600"/>
+              </a:spcAft>
+              <a:buClrTx/>
+              <a:buSzTx/>
+              <a:buFontTx/>
+              <a:buNone/>
+              <a:tabLst/>
+              <a:defRPr/>
+            </a:pPr>
+            <a:r>
+              <a:rPr lang="en-GB" sz="2000" b="1" dirty="0">
+                <a:solidFill>
+                  <a:prstClr val="black"/>
+                </a:solidFill>
+                <a:latin typeface="Aptos" panose="02110004020202020204"/>
+              </a:rPr>
+              <a:t>Initialize the State-Space Model</a:t>
+            </a:r>
+          </a:p>
+          <a:p>
+            <a:pPr>
+              <a:spcAft>
+                <a:spcPts val="600"/>
+              </a:spcAft>
+            </a:pPr>
+            <a:r>
+              <a:rPr lang="en-GB" sz="2000" dirty="0">
+                <a:latin typeface="Assistant" pitchFamily="2" charset="-79"/>
+                <a:cs typeface="Assistant" pitchFamily="2" charset="-79"/>
+              </a:rPr>
+              <a:t>Define latent state: </a:t>
+            </a:r>
+          </a:p>
+          <a:p>
+            <a:pPr>
+              <a:spcAft>
+                <a:spcPts val="600"/>
+              </a:spcAft>
+            </a:pPr>
+            <a:r>
+              <a:rPr lang="en-GB" sz="2000" dirty="0">
+                <a:latin typeface="Assistant" pitchFamily="2" charset="-79"/>
+                <a:cs typeface="Assistant" pitchFamily="2" charset="-79"/>
+              </a:rPr>
+              <a:t>Xₜ = [level ℓₜ, trend </a:t>
+            </a:r>
+            <a:r>
+              <a:rPr lang="el-GR" sz="2000" dirty="0">
+                <a:latin typeface="Assistant" pitchFamily="2" charset="-79"/>
+                <a:cs typeface="Assistant" pitchFamily="2" charset="-79"/>
+              </a:rPr>
+              <a:t>τ</a:t>
+            </a:r>
+            <a:r>
+              <a:rPr lang="en-GB" sz="2000" dirty="0">
+                <a:latin typeface="Assistant" pitchFamily="2" charset="-79"/>
+                <a:cs typeface="Assistant" pitchFamily="2" charset="-79"/>
+              </a:rPr>
+              <a:t>ₜ, seasonality </a:t>
+            </a:r>
+            <a:r>
+              <a:rPr lang="el-GR" sz="2000" dirty="0">
+                <a:latin typeface="Assistant" pitchFamily="2" charset="-79"/>
+                <a:cs typeface="Assistant" pitchFamily="2" charset="-79"/>
+              </a:rPr>
+              <a:t>γ</a:t>
+            </a:r>
+            <a:r>
+              <a:rPr lang="en-GB" sz="2000" dirty="0">
+                <a:latin typeface="Assistant" pitchFamily="2" charset="-79"/>
+                <a:cs typeface="Assistant" pitchFamily="2" charset="-79"/>
+              </a:rPr>
+              <a:t>ₜ]</a:t>
+            </a:r>
+          </a:p>
+          <a:p>
+            <a:pPr>
+              <a:spcAft>
+                <a:spcPts val="600"/>
+              </a:spcAft>
+            </a:pPr>
+            <a:r>
+              <a:rPr lang="en-GB" sz="2000" dirty="0">
+                <a:latin typeface="Assistant" pitchFamily="2" charset="-79"/>
+                <a:cs typeface="Assistant" pitchFamily="2" charset="-79"/>
+              </a:rPr>
+              <a:t>Initialize using STL decomposition:</a:t>
+            </a:r>
+          </a:p>
+          <a:p>
+            <a:pPr marL="171450" indent="-171450">
+              <a:spcAft>
+                <a:spcPts val="600"/>
+              </a:spcAft>
+              <a:buFont typeface="Arial" panose="020B0604020202020204" pitchFamily="34" charset="0"/>
+              <a:buChar char="•"/>
+            </a:pPr>
+            <a:r>
+              <a:rPr lang="en-GB" sz="2000" dirty="0">
+                <a:latin typeface="Assistant" pitchFamily="2" charset="-79"/>
+                <a:cs typeface="Assistant" pitchFamily="2" charset="-79"/>
+              </a:rPr>
+              <a:t>ℓ₀: last trend value</a:t>
+            </a:r>
+          </a:p>
+          <a:p>
+            <a:pPr marL="171450" indent="-171450">
+              <a:spcAft>
+                <a:spcPts val="600"/>
+              </a:spcAft>
+              <a:buFont typeface="Arial" panose="020B0604020202020204" pitchFamily="34" charset="0"/>
+              <a:buChar char="•"/>
+            </a:pPr>
+            <a:r>
+              <a:rPr lang="el-GR" sz="2000" dirty="0">
+                <a:latin typeface="Assistant" pitchFamily="2" charset="-79"/>
+                <a:cs typeface="Assistant" pitchFamily="2" charset="-79"/>
+              </a:rPr>
+              <a:t>τ₀: </a:t>
+            </a:r>
+            <a:r>
+              <a:rPr lang="en-GB" sz="2000" dirty="0">
+                <a:latin typeface="Assistant" pitchFamily="2" charset="-79"/>
+                <a:cs typeface="Assistant" pitchFamily="2" charset="-79"/>
+              </a:rPr>
+              <a:t>recent trend slope</a:t>
+            </a:r>
+          </a:p>
+          <a:p>
+            <a:pPr marL="171450" indent="-171450">
+              <a:spcAft>
+                <a:spcPts val="600"/>
+              </a:spcAft>
+              <a:buFont typeface="Arial" panose="020B0604020202020204" pitchFamily="34" charset="0"/>
+              <a:buChar char="•"/>
+            </a:pPr>
+            <a:r>
+              <a:rPr lang="el-GR" sz="2000" dirty="0">
+                <a:latin typeface="Assistant" pitchFamily="2" charset="-79"/>
+                <a:cs typeface="Assistant" pitchFamily="2" charset="-79"/>
+              </a:rPr>
+              <a:t>γ₀: </a:t>
+            </a:r>
+            <a:r>
+              <a:rPr lang="en-GB" sz="2000" dirty="0">
+                <a:latin typeface="Assistant" pitchFamily="2" charset="-79"/>
+                <a:cs typeface="Assistant" pitchFamily="2" charset="-79"/>
+              </a:rPr>
+              <a:t>final or mean seasonal pattern</a:t>
+            </a:r>
+          </a:p>
+          <a:p>
+            <a:pPr>
+              <a:spcAft>
+                <a:spcPts val="600"/>
+              </a:spcAft>
+            </a:pPr>
+            <a:r>
+              <a:rPr lang="en-GB" sz="2000" dirty="0">
+                <a:latin typeface="Assistant" pitchFamily="2" charset="-79"/>
+                <a:cs typeface="Assistant" pitchFamily="2" charset="-79"/>
+              </a:rPr>
+              <a:t>Set initial uncertainty: P₀ = diagonal of STL variances</a:t>
+            </a:r>
+          </a:p>
+          <a:p>
+            <a:pPr>
+              <a:spcAft>
+                <a:spcPts val="600"/>
+              </a:spcAft>
+            </a:pPr>
+            <a:r>
+              <a:rPr lang="en-GB" sz="2000" dirty="0">
+                <a:latin typeface="Assistant" pitchFamily="2" charset="-79"/>
+                <a:cs typeface="Assistant" pitchFamily="2" charset="-79"/>
+              </a:rPr>
+              <a:t>Set model parameters: Q₀, R, </a:t>
+            </a:r>
+            <a:r>
+              <a:rPr lang="el-GR" sz="2000" dirty="0">
+                <a:latin typeface="Assistant" pitchFamily="2" charset="-79"/>
+                <a:cs typeface="Assistant" pitchFamily="2" charset="-79"/>
+              </a:rPr>
+              <a:t>φ, λ</a:t>
+            </a:r>
+            <a:r>
+              <a:rPr lang="en-GB" sz="2000" dirty="0">
+                <a:latin typeface="Assistant" pitchFamily="2" charset="-79"/>
+                <a:cs typeface="Assistant" pitchFamily="2" charset="-79"/>
+              </a:rPr>
+              <a:t> (Use MLE to optimise parameters)</a:t>
+            </a:r>
+          </a:p>
+        </p:txBody>
+      </p:sp>
+      <p:sp>
+        <p:nvSpPr>
+          <p:cNvPr id="23" name="Rectangle 22">
+            <a:extLst>
+              <a:ext uri="{FF2B5EF4-FFF2-40B4-BE49-F238E27FC236}">
+                <a16:creationId xmlns:a16="http://schemas.microsoft.com/office/drawing/2014/main" id="{D759D5DF-2EE4-7618-41C8-4C9B91CC81AD}"/>
+              </a:ext>
+            </a:extLst>
+          </p:cNvPr>
+          <p:cNvSpPr/>
           <p:nvPr/>
-        </p:nvGrpSpPr>
-        <p:grpSpPr>
+        </p:nvSpPr>
+        <p:spPr>
           <a:xfrm>
             <a:off x="785332" y="5416170"/>
             <a:ext cx="4680000" cy="4680000"/>
-            <a:chOff x="484816" y="730293"/>
-            <a:chExt cx="2184741" cy="2043525"/>
           </a:xfrm>
-        </p:grpSpPr>
-        <p:sp>
-          <p:nvSpPr>
-            <p:cNvPr id="23" name="Rectangle 22">
-              <a:extLst>
-                <a:ext uri="{FF2B5EF4-FFF2-40B4-BE49-F238E27FC236}">
-                  <a16:creationId xmlns:a16="http://schemas.microsoft.com/office/drawing/2014/main" id="{D759D5DF-2EE4-7618-41C8-4C9B91CC81AD}"/>
-                </a:ext>
-              </a:extLst>
-            </p:cNvPr>
-            <p:cNvSpPr/>
-            <p:nvPr/>
-          </p:nvSpPr>
-          <p:spPr>
-            <a:xfrm>
-              <a:off x="484816" y="730293"/>
-              <a:ext cx="2184741" cy="2043525"/>
-            </a:xfrm>
-            <a:prstGeom prst="rect">
-              <a:avLst/>
-            </a:prstGeom>
+          <a:prstGeom prst="rect">
+            <a:avLst/>
+          </a:prstGeom>
+          <a:solidFill>
+            <a:schemeClr val="bg1"/>
+          </a:solidFill>
+          <a:ln w="12700">
             <a:solidFill>
-              <a:schemeClr val="bg1"/>
+              <a:schemeClr val="tx1"/>
             </a:solidFill>
-            <a:ln w="12700">
-              <a:noFill/>
-            </a:ln>
-          </p:spPr>
-          <p:style>
-            <a:lnRef idx="2">
-              <a:schemeClr val="accent1">
-                <a:shade val="15000"/>
-              </a:schemeClr>
-            </a:lnRef>
-            <a:fillRef idx="1">
-              <a:schemeClr val="accent1"/>
-            </a:fillRef>
-            <a:effectRef idx="0">
-              <a:schemeClr val="accent1"/>
-            </a:effectRef>
-            <a:fontRef idx="minor">
-              <a:schemeClr val="lt1"/>
-            </a:fontRef>
-          </p:style>
-          <p:txBody>
-            <a:bodyPr rtlCol="0" anchor="ctr"/>
-            <a:lstStyle/>
-            <a:p>
-              <a:endParaRPr lang="en-GB" sz="2000"/>
-            </a:p>
-          </p:txBody>
-        </p:sp>
-        <p:sp>
-          <p:nvSpPr>
-            <p:cNvPr id="22" name="TextBox 21">
-              <a:extLst>
-                <a:ext uri="{FF2B5EF4-FFF2-40B4-BE49-F238E27FC236}">
-                  <a16:creationId xmlns:a16="http://schemas.microsoft.com/office/drawing/2014/main" id="{749A3EE6-8AFA-27F0-F5E7-90506708D546}"/>
-                </a:ext>
-              </a:extLst>
-            </p:cNvPr>
-            <p:cNvSpPr txBox="1"/>
-            <p:nvPr/>
-          </p:nvSpPr>
-          <p:spPr>
-            <a:xfrm>
-              <a:off x="484817" y="744306"/>
-              <a:ext cx="2184739" cy="1345658"/>
-            </a:xfrm>
-            <a:prstGeom prst="rect">
-              <a:avLst/>
-            </a:prstGeom>
+          </a:ln>
+        </p:spPr>
+        <p:style>
+          <a:lnRef idx="2">
+            <a:schemeClr val="accent1">
+              <a:shade val="15000"/>
+            </a:schemeClr>
+          </a:lnRef>
+          <a:fillRef idx="1">
+            <a:schemeClr val="accent1"/>
+          </a:fillRef>
+          <a:effectRef idx="0">
+            <a:schemeClr val="accent1"/>
+          </a:effectRef>
+          <a:fontRef idx="minor">
+            <a:schemeClr val="lt1"/>
+          </a:fontRef>
+        </p:style>
+        <p:txBody>
+          <a:bodyPr rtlCol="0" anchor="ctr"/>
+          <a:lstStyle/>
+          <a:p>
+            <a:endParaRPr lang="en-GB" sz="2000"/>
+          </a:p>
+        </p:txBody>
+      </p:sp>
+      <p:sp>
+        <p:nvSpPr>
+          <p:cNvPr id="22" name="TextBox 21">
+            <a:extLst>
+              <a:ext uri="{FF2B5EF4-FFF2-40B4-BE49-F238E27FC236}">
+                <a16:creationId xmlns:a16="http://schemas.microsoft.com/office/drawing/2014/main" id="{749A3EE6-8AFA-27F0-F5E7-90506708D546}"/>
+              </a:ext>
+            </a:extLst>
+          </p:cNvPr>
+          <p:cNvSpPr txBox="1"/>
+          <p:nvPr/>
+        </p:nvSpPr>
+        <p:spPr>
+          <a:xfrm>
+            <a:off x="785334" y="5448262"/>
+            <a:ext cx="4679996" cy="3081773"/>
+          </a:xfrm>
+          <a:prstGeom prst="rect">
+            <a:avLst/>
+          </a:prstGeom>
+          <a:noFill/>
+          <a:ln>
             <a:noFill/>
-            <a:ln>
-              <a:noFill/>
-            </a:ln>
-          </p:spPr>
-          <p:txBody>
-            <a:bodyPr wrap="square">
-              <a:spAutoFit/>
-            </a:bodyPr>
-            <a:lstStyle/>
-            <a:p>
-              <a:pPr marL="0" marR="0" lvl="0" indent="0" defTabSz="914400" rtl="0" eaLnBrk="1" fontAlgn="auto" latinLnBrk="0" hangingPunct="1">
-                <a:lnSpc>
-                  <a:spcPct val="100000"/>
-                </a:lnSpc>
-                <a:spcBef>
-                  <a:spcPts val="0"/>
-                </a:spcBef>
-                <a:spcAft>
-                  <a:spcPts val="600"/>
-                </a:spcAft>
-                <a:buClrTx/>
-                <a:buSzTx/>
-                <a:buFontTx/>
-                <a:buNone/>
-                <a:tabLst/>
-                <a:defRPr/>
-              </a:pPr>
-              <a:r>
-                <a:rPr lang="en-GB" sz="2000" b="1" dirty="0">
-                  <a:solidFill>
-                    <a:prstClr val="black"/>
-                  </a:solidFill>
-                  <a:latin typeface="Aptos" panose="02110004020202020204"/>
-                </a:rPr>
-                <a:t>Observation Update (If Uncensored)</a:t>
-              </a:r>
-            </a:p>
-            <a:p>
-              <a:pPr marL="0" marR="0" lvl="0" indent="0" defTabSz="914400" rtl="0" eaLnBrk="1" fontAlgn="auto" latinLnBrk="0" hangingPunct="1">
-                <a:lnSpc>
-                  <a:spcPct val="100000"/>
-                </a:lnSpc>
-                <a:spcBef>
-                  <a:spcPts val="0"/>
-                </a:spcBef>
-                <a:spcAft>
-                  <a:spcPts val="600"/>
-                </a:spcAft>
-                <a:buClrTx/>
-                <a:buSzTx/>
-                <a:buFontTx/>
-                <a:buNone/>
-                <a:tabLst/>
-                <a:defRPr/>
-              </a:pPr>
-              <a:r>
-                <a:rPr lang="en-GB" sz="2000" dirty="0">
-                  <a:latin typeface="Assistant" pitchFamily="2" charset="-79"/>
-                  <a:cs typeface="Assistant" pitchFamily="2" charset="-79"/>
-                </a:rPr>
-                <a:t>Compute residual:  ỹₜ = yₜ - H * X̂ₜ|ₜ₋₁</a:t>
-              </a:r>
-            </a:p>
-            <a:p>
-              <a:pPr marL="0" marR="0" lvl="0" indent="0" defTabSz="914400" rtl="0" eaLnBrk="1" fontAlgn="auto" latinLnBrk="0" hangingPunct="1">
-                <a:lnSpc>
-                  <a:spcPct val="100000"/>
-                </a:lnSpc>
-                <a:spcBef>
-                  <a:spcPts val="0"/>
-                </a:spcBef>
-                <a:spcAft>
-                  <a:spcPts val="600"/>
-                </a:spcAft>
-                <a:buClrTx/>
-                <a:buSzTx/>
-                <a:buFontTx/>
-                <a:buNone/>
-                <a:tabLst/>
-                <a:defRPr/>
-              </a:pPr>
-              <a:r>
-                <a:rPr lang="en-GB" sz="2000" dirty="0">
-                  <a:latin typeface="Assistant" pitchFamily="2" charset="-79"/>
-                  <a:cs typeface="Assistant" pitchFamily="2" charset="-79"/>
-                </a:rPr>
-                <a:t>Compute Kalman gain and update:</a:t>
-              </a:r>
-            </a:p>
-            <a:p>
-              <a:pPr marL="171450" marR="0" lvl="0" indent="-171450" defTabSz="914400" rtl="0" eaLnBrk="1" fontAlgn="auto" latinLnBrk="0" hangingPunct="1">
-                <a:lnSpc>
-                  <a:spcPct val="100000"/>
-                </a:lnSpc>
-                <a:spcBef>
-                  <a:spcPts val="0"/>
-                </a:spcBef>
-                <a:spcAft>
-                  <a:spcPts val="600"/>
-                </a:spcAft>
-                <a:buClrTx/>
-                <a:buSzTx/>
-                <a:buFont typeface="Arial" panose="020B0604020202020204" pitchFamily="34" charset="0"/>
-                <a:buChar char="•"/>
-                <a:tabLst/>
-                <a:defRPr/>
-              </a:pPr>
-              <a:r>
-                <a:rPr lang="en-GB" sz="2000" dirty="0">
-                  <a:latin typeface="Assistant" pitchFamily="2" charset="-79"/>
-                  <a:cs typeface="Assistant" pitchFamily="2" charset="-79"/>
-                </a:rPr>
-                <a:t>Kₜ = Pₜ|ₜ₋₁ * Hᵀ * (H * Pₜ|ₜ₋₁ * Hᵀ + R)⁻¹</a:t>
-              </a:r>
-            </a:p>
-            <a:p>
-              <a:pPr marL="171450" marR="0" lvl="0" indent="-171450" defTabSz="914400" rtl="0" eaLnBrk="1" fontAlgn="auto" latinLnBrk="0" hangingPunct="1">
-                <a:lnSpc>
-                  <a:spcPct val="100000"/>
-                </a:lnSpc>
-                <a:spcBef>
-                  <a:spcPts val="0"/>
-                </a:spcBef>
-                <a:spcAft>
-                  <a:spcPts val="600"/>
-                </a:spcAft>
-                <a:buClrTx/>
-                <a:buSzTx/>
-                <a:buFont typeface="Arial" panose="020B0604020202020204" pitchFamily="34" charset="0"/>
-                <a:buChar char="•"/>
-                <a:tabLst/>
-                <a:defRPr/>
-              </a:pPr>
-              <a:r>
-                <a:rPr lang="en-GB" sz="2000" dirty="0">
-                  <a:latin typeface="Assistant" pitchFamily="2" charset="-79"/>
-                  <a:cs typeface="Assistant" pitchFamily="2" charset="-79"/>
-                </a:rPr>
-                <a:t>X̂ₜ|ₜ = X̂ₜ|ₜ₋₁ + Kₜ * ỹₜ</a:t>
-              </a:r>
-            </a:p>
-            <a:p>
-              <a:pPr marL="171450" marR="0" lvl="0" indent="-171450" defTabSz="914400" rtl="0" eaLnBrk="1" fontAlgn="auto" latinLnBrk="0" hangingPunct="1">
-                <a:lnSpc>
-                  <a:spcPct val="100000"/>
-                </a:lnSpc>
-                <a:spcBef>
-                  <a:spcPts val="0"/>
-                </a:spcBef>
-                <a:spcAft>
-                  <a:spcPts val="600"/>
-                </a:spcAft>
-                <a:buClrTx/>
-                <a:buSzTx/>
-                <a:buFont typeface="Arial" panose="020B0604020202020204" pitchFamily="34" charset="0"/>
-                <a:buChar char="•"/>
-                <a:tabLst/>
-                <a:defRPr/>
-              </a:pPr>
-              <a:r>
-                <a:rPr lang="en-GB" sz="2000" dirty="0">
-                  <a:latin typeface="Assistant" pitchFamily="2" charset="-79"/>
-                  <a:cs typeface="Assistant" pitchFamily="2" charset="-79"/>
-                </a:rPr>
-                <a:t>Pₜ|ₜ = (I - Kₜ * H) * Pₜ|ₜ₋₁</a:t>
-              </a:r>
-            </a:p>
-            <a:p>
-              <a:pPr marL="0" marR="0" lvl="0" indent="0" defTabSz="914400" rtl="0" eaLnBrk="1" fontAlgn="auto" latinLnBrk="0" hangingPunct="1">
-                <a:lnSpc>
-                  <a:spcPct val="100000"/>
-                </a:lnSpc>
-                <a:spcBef>
-                  <a:spcPts val="0"/>
-                </a:spcBef>
-                <a:spcAft>
-                  <a:spcPts val="600"/>
-                </a:spcAft>
-                <a:buClrTx/>
-                <a:buSzTx/>
-                <a:buFontTx/>
-                <a:buNone/>
-                <a:tabLst/>
-                <a:defRPr/>
-              </a:pPr>
-              <a:r>
-                <a:rPr lang="en-GB" sz="2000" dirty="0">
-                  <a:latin typeface="Assistant" pitchFamily="2" charset="-79"/>
-                  <a:cs typeface="Assistant" pitchFamily="2" charset="-79"/>
-                </a:rPr>
-                <a:t>If censored: skip update</a:t>
-              </a:r>
-            </a:p>
-          </p:txBody>
-        </p:sp>
-      </p:grpSp>
-      <p:grpSp>
-        <p:nvGrpSpPr>
-          <p:cNvPr id="24" name="Group 23">
-            <a:extLst>
-              <a:ext uri="{FF2B5EF4-FFF2-40B4-BE49-F238E27FC236}">
-                <a16:creationId xmlns:a16="http://schemas.microsoft.com/office/drawing/2014/main" id="{825F40D0-C90D-1D45-C0BC-F31CB941FE1F}"/>
-              </a:ext>
-            </a:extLst>
-          </p:cNvPr>
-          <p:cNvGrpSpPr/>
+          </a:ln>
+        </p:spPr>
+        <p:txBody>
+          <a:bodyPr wrap="square">
+            <a:spAutoFit/>
+          </a:bodyPr>
+          <a:lstStyle/>
+          <a:p>
+            <a:pPr marL="0" marR="0" lvl="0" indent="0" defTabSz="914400" rtl="0" eaLnBrk="1" fontAlgn="auto" latinLnBrk="0" hangingPunct="1">
+              <a:lnSpc>
+                <a:spcPct val="100000"/>
+              </a:lnSpc>
+              <a:spcBef>
+                <a:spcPts val="0"/>
+              </a:spcBef>
+              <a:spcAft>
+                <a:spcPts val="600"/>
+              </a:spcAft>
+              <a:buClrTx/>
+              <a:buSzTx/>
+              <a:buFontTx/>
+              <a:buNone/>
+              <a:tabLst/>
+              <a:defRPr/>
+            </a:pPr>
+            <a:r>
+              <a:rPr lang="en-GB" sz="2000" b="1" dirty="0">
+                <a:solidFill>
+                  <a:prstClr val="black"/>
+                </a:solidFill>
+                <a:latin typeface="Aptos" panose="02110004020202020204"/>
+              </a:rPr>
+              <a:t>Observation Update (If Uncensored)</a:t>
+            </a:r>
+          </a:p>
+          <a:p>
+            <a:pPr marL="0" marR="0" lvl="0" indent="0" defTabSz="914400" rtl="0" eaLnBrk="1" fontAlgn="auto" latinLnBrk="0" hangingPunct="1">
+              <a:lnSpc>
+                <a:spcPct val="100000"/>
+              </a:lnSpc>
+              <a:spcBef>
+                <a:spcPts val="0"/>
+              </a:spcBef>
+              <a:spcAft>
+                <a:spcPts val="600"/>
+              </a:spcAft>
+              <a:buClrTx/>
+              <a:buSzTx/>
+              <a:buFontTx/>
+              <a:buNone/>
+              <a:tabLst/>
+              <a:defRPr/>
+            </a:pPr>
+            <a:r>
+              <a:rPr lang="en-GB" sz="2000" dirty="0">
+                <a:latin typeface="Assistant" pitchFamily="2" charset="-79"/>
+                <a:cs typeface="Assistant" pitchFamily="2" charset="-79"/>
+              </a:rPr>
+              <a:t>Compute residual:  ỹₜ = yₜ - H * X̂ₜ|ₜ₋₁</a:t>
+            </a:r>
+          </a:p>
+          <a:p>
+            <a:pPr marL="0" marR="0" lvl="0" indent="0" defTabSz="914400" rtl="0" eaLnBrk="1" fontAlgn="auto" latinLnBrk="0" hangingPunct="1">
+              <a:lnSpc>
+                <a:spcPct val="100000"/>
+              </a:lnSpc>
+              <a:spcBef>
+                <a:spcPts val="0"/>
+              </a:spcBef>
+              <a:spcAft>
+                <a:spcPts val="600"/>
+              </a:spcAft>
+              <a:buClrTx/>
+              <a:buSzTx/>
+              <a:buFontTx/>
+              <a:buNone/>
+              <a:tabLst/>
+              <a:defRPr/>
+            </a:pPr>
+            <a:r>
+              <a:rPr lang="en-GB" sz="2000" dirty="0">
+                <a:latin typeface="Assistant" pitchFamily="2" charset="-79"/>
+                <a:cs typeface="Assistant" pitchFamily="2" charset="-79"/>
+              </a:rPr>
+              <a:t>Compute Kalman gain and update:</a:t>
+            </a:r>
+          </a:p>
+          <a:p>
+            <a:pPr marL="171450" marR="0" lvl="0" indent="-171450" defTabSz="914400" rtl="0" eaLnBrk="1" fontAlgn="auto" latinLnBrk="0" hangingPunct="1">
+              <a:lnSpc>
+                <a:spcPct val="100000"/>
+              </a:lnSpc>
+              <a:spcBef>
+                <a:spcPts val="0"/>
+              </a:spcBef>
+              <a:spcAft>
+                <a:spcPts val="600"/>
+              </a:spcAft>
+              <a:buClrTx/>
+              <a:buSzTx/>
+              <a:buFont typeface="Arial" panose="020B0604020202020204" pitchFamily="34" charset="0"/>
+              <a:buChar char="•"/>
+              <a:tabLst/>
+              <a:defRPr/>
+            </a:pPr>
+            <a:r>
+              <a:rPr lang="en-GB" sz="2000" dirty="0">
+                <a:latin typeface="Assistant" pitchFamily="2" charset="-79"/>
+                <a:cs typeface="Assistant" pitchFamily="2" charset="-79"/>
+              </a:rPr>
+              <a:t>Kₜ = Pₜ|ₜ₋₁ * Hᵀ * (H * Pₜ|ₜ₋₁ * Hᵀ + R)⁻¹</a:t>
+            </a:r>
+          </a:p>
+          <a:p>
+            <a:pPr marL="171450" marR="0" lvl="0" indent="-171450" defTabSz="914400" rtl="0" eaLnBrk="1" fontAlgn="auto" latinLnBrk="0" hangingPunct="1">
+              <a:lnSpc>
+                <a:spcPct val="100000"/>
+              </a:lnSpc>
+              <a:spcBef>
+                <a:spcPts val="0"/>
+              </a:spcBef>
+              <a:spcAft>
+                <a:spcPts val="600"/>
+              </a:spcAft>
+              <a:buClrTx/>
+              <a:buSzTx/>
+              <a:buFont typeface="Arial" panose="020B0604020202020204" pitchFamily="34" charset="0"/>
+              <a:buChar char="•"/>
+              <a:tabLst/>
+              <a:defRPr/>
+            </a:pPr>
+            <a:r>
+              <a:rPr lang="en-GB" sz="2000" dirty="0">
+                <a:latin typeface="Assistant" pitchFamily="2" charset="-79"/>
+                <a:cs typeface="Assistant" pitchFamily="2" charset="-79"/>
+              </a:rPr>
+              <a:t>X̂ₜ|ₜ = X̂ₜ|ₜ₋₁ + Kₜ * ỹₜ</a:t>
+            </a:r>
+          </a:p>
+          <a:p>
+            <a:pPr marL="171450" marR="0" lvl="0" indent="-171450" defTabSz="914400" rtl="0" eaLnBrk="1" fontAlgn="auto" latinLnBrk="0" hangingPunct="1">
+              <a:lnSpc>
+                <a:spcPct val="100000"/>
+              </a:lnSpc>
+              <a:spcBef>
+                <a:spcPts val="0"/>
+              </a:spcBef>
+              <a:spcAft>
+                <a:spcPts val="600"/>
+              </a:spcAft>
+              <a:buClrTx/>
+              <a:buSzTx/>
+              <a:buFont typeface="Arial" panose="020B0604020202020204" pitchFamily="34" charset="0"/>
+              <a:buChar char="•"/>
+              <a:tabLst/>
+              <a:defRPr/>
+            </a:pPr>
+            <a:r>
+              <a:rPr lang="en-GB" sz="2000" dirty="0">
+                <a:latin typeface="Assistant" pitchFamily="2" charset="-79"/>
+                <a:cs typeface="Assistant" pitchFamily="2" charset="-79"/>
+              </a:rPr>
+              <a:t>Pₜ|ₜ = (I - Kₜ * H) * Pₜ|ₜ₋₁</a:t>
+            </a:r>
+          </a:p>
+          <a:p>
+            <a:pPr marL="0" marR="0" lvl="0" indent="0" defTabSz="914400" rtl="0" eaLnBrk="1" fontAlgn="auto" latinLnBrk="0" hangingPunct="1">
+              <a:lnSpc>
+                <a:spcPct val="100000"/>
+              </a:lnSpc>
+              <a:spcBef>
+                <a:spcPts val="0"/>
+              </a:spcBef>
+              <a:spcAft>
+                <a:spcPts val="600"/>
+              </a:spcAft>
+              <a:buClrTx/>
+              <a:buSzTx/>
+              <a:buFontTx/>
+              <a:buNone/>
+              <a:tabLst/>
+              <a:defRPr/>
+            </a:pPr>
+            <a:r>
+              <a:rPr lang="en-GB" sz="2000" dirty="0">
+                <a:latin typeface="Assistant" pitchFamily="2" charset="-79"/>
+                <a:cs typeface="Assistant" pitchFamily="2" charset="-79"/>
+              </a:rPr>
+              <a:t>If censored: skip update</a:t>
+            </a:r>
+          </a:p>
+        </p:txBody>
+      </p:sp>
+      <p:sp>
+        <p:nvSpPr>
+          <p:cNvPr id="26" name="Rectangle 25">
+            <a:extLst>
+              <a:ext uri="{FF2B5EF4-FFF2-40B4-BE49-F238E27FC236}">
+                <a16:creationId xmlns:a16="http://schemas.microsoft.com/office/drawing/2014/main" id="{DEFCBC37-2590-63B5-89E9-16965EC2CE0F}"/>
+              </a:ext>
+            </a:extLst>
+          </p:cNvPr>
+          <p:cNvSpPr/>
           <p:nvPr/>
-        </p:nvGrpSpPr>
-        <p:grpSpPr>
+        </p:nvSpPr>
+        <p:spPr>
           <a:xfrm>
             <a:off x="6830728" y="5416170"/>
             <a:ext cx="4680000" cy="4680000"/>
-            <a:chOff x="484816" y="730293"/>
-            <a:chExt cx="2184741" cy="2043525"/>
           </a:xfrm>
-        </p:grpSpPr>
-        <p:sp>
-          <p:nvSpPr>
-            <p:cNvPr id="26" name="Rectangle 25">
-              <a:extLst>
-                <a:ext uri="{FF2B5EF4-FFF2-40B4-BE49-F238E27FC236}">
-                  <a16:creationId xmlns:a16="http://schemas.microsoft.com/office/drawing/2014/main" id="{DEFCBC37-2590-63B5-89E9-16965EC2CE0F}"/>
-                </a:ext>
-              </a:extLst>
-            </p:cNvPr>
-            <p:cNvSpPr/>
-            <p:nvPr/>
-          </p:nvSpPr>
-          <p:spPr>
-            <a:xfrm>
-              <a:off x="484816" y="730293"/>
-              <a:ext cx="2184741" cy="2043525"/>
-            </a:xfrm>
-            <a:prstGeom prst="rect">
-              <a:avLst/>
-            </a:prstGeom>
+          <a:prstGeom prst="rect">
+            <a:avLst/>
+          </a:prstGeom>
+          <a:solidFill>
+            <a:schemeClr val="bg1"/>
+          </a:solidFill>
+          <a:ln w="12700">
             <a:solidFill>
-              <a:schemeClr val="bg1"/>
+              <a:schemeClr val="tx1"/>
             </a:solidFill>
-            <a:ln w="12700">
-              <a:noFill/>
-            </a:ln>
-          </p:spPr>
-          <p:style>
-            <a:lnRef idx="2">
-              <a:schemeClr val="accent1">
-                <a:shade val="15000"/>
-              </a:schemeClr>
-            </a:lnRef>
-            <a:fillRef idx="1">
-              <a:schemeClr val="accent1"/>
-            </a:fillRef>
-            <a:effectRef idx="0">
-              <a:schemeClr val="accent1"/>
-            </a:effectRef>
-            <a:fontRef idx="minor">
-              <a:schemeClr val="lt1"/>
-            </a:fontRef>
-          </p:style>
-          <p:txBody>
-            <a:bodyPr rtlCol="0" anchor="ctr"/>
-            <a:lstStyle/>
-            <a:p>
-              <a:endParaRPr lang="en-GB" sz="2000"/>
-            </a:p>
-          </p:txBody>
-        </p:sp>
-        <p:sp>
-          <p:nvSpPr>
-            <p:cNvPr id="25" name="TextBox 24">
-              <a:extLst>
-                <a:ext uri="{FF2B5EF4-FFF2-40B4-BE49-F238E27FC236}">
-                  <a16:creationId xmlns:a16="http://schemas.microsoft.com/office/drawing/2014/main" id="{294F930D-851A-5872-C1CF-1FA1F78F563D}"/>
-                </a:ext>
-              </a:extLst>
-            </p:cNvPr>
-            <p:cNvSpPr txBox="1"/>
-            <p:nvPr/>
-          </p:nvSpPr>
-          <p:spPr>
-            <a:xfrm>
-              <a:off x="484817" y="744306"/>
-              <a:ext cx="2184740" cy="1842634"/>
-            </a:xfrm>
-            <a:prstGeom prst="rect">
-              <a:avLst/>
-            </a:prstGeom>
+          </a:ln>
+        </p:spPr>
+        <p:style>
+          <a:lnRef idx="2">
+            <a:schemeClr val="accent1">
+              <a:shade val="15000"/>
+            </a:schemeClr>
+          </a:lnRef>
+          <a:fillRef idx="1">
+            <a:schemeClr val="accent1"/>
+          </a:fillRef>
+          <a:effectRef idx="0">
+            <a:schemeClr val="accent1"/>
+          </a:effectRef>
+          <a:fontRef idx="minor">
+            <a:schemeClr val="lt1"/>
+          </a:fontRef>
+        </p:style>
+        <p:txBody>
+          <a:bodyPr rtlCol="0" anchor="ctr"/>
+          <a:lstStyle/>
+          <a:p>
+            <a:endParaRPr lang="en-GB" sz="2000"/>
+          </a:p>
+        </p:txBody>
+      </p:sp>
+      <p:sp>
+        <p:nvSpPr>
+          <p:cNvPr id="25" name="TextBox 24">
+            <a:extLst>
+              <a:ext uri="{FF2B5EF4-FFF2-40B4-BE49-F238E27FC236}">
+                <a16:creationId xmlns:a16="http://schemas.microsoft.com/office/drawing/2014/main" id="{294F930D-851A-5872-C1CF-1FA1F78F563D}"/>
+              </a:ext>
+            </a:extLst>
+          </p:cNvPr>
+          <p:cNvSpPr txBox="1"/>
+          <p:nvPr/>
+        </p:nvSpPr>
+        <p:spPr>
+          <a:xfrm>
+            <a:off x="6830730" y="5448262"/>
+            <a:ext cx="4679998" cy="4219927"/>
+          </a:xfrm>
+          <a:prstGeom prst="rect">
+            <a:avLst/>
+          </a:prstGeom>
+          <a:noFill/>
+          <a:ln>
             <a:noFill/>
-            <a:ln>
-              <a:noFill/>
-            </a:ln>
-          </p:spPr>
-          <p:txBody>
-            <a:bodyPr wrap="square">
-              <a:spAutoFit/>
-            </a:bodyPr>
-            <a:lstStyle/>
-            <a:p>
-              <a:pPr marL="0" marR="0" lvl="0" indent="0" defTabSz="914400" rtl="0" eaLnBrk="1" fontAlgn="auto" latinLnBrk="0" hangingPunct="1">
-                <a:lnSpc>
-                  <a:spcPct val="100000"/>
-                </a:lnSpc>
-                <a:spcBef>
-                  <a:spcPts val="0"/>
-                </a:spcBef>
-                <a:spcAft>
-                  <a:spcPts val="600"/>
-                </a:spcAft>
-                <a:buClrTx/>
-                <a:buSzTx/>
-                <a:buFontTx/>
-                <a:buNone/>
-                <a:tabLst/>
-                <a:defRPr/>
-              </a:pPr>
-              <a:r>
-                <a:rPr lang="en-GB" sz="2000" b="1" dirty="0">
-                  <a:solidFill>
-                    <a:prstClr val="black"/>
-                  </a:solidFill>
-                  <a:latin typeface="Aptos" panose="02110004020202020204"/>
-                </a:rPr>
-                <a:t>Quantify Uncertainty (Conformal Prediction)</a:t>
-              </a:r>
-            </a:p>
-            <a:p>
-              <a:pPr marL="0" marR="0" lvl="0" indent="0" defTabSz="914400" rtl="0" eaLnBrk="1" fontAlgn="auto" latinLnBrk="0" hangingPunct="1">
-                <a:lnSpc>
-                  <a:spcPct val="100000"/>
-                </a:lnSpc>
-                <a:spcBef>
-                  <a:spcPts val="0"/>
-                </a:spcBef>
-                <a:spcAft>
-                  <a:spcPts val="600"/>
-                </a:spcAft>
-                <a:buClrTx/>
-                <a:buSzTx/>
-                <a:buFontTx/>
-                <a:buNone/>
-                <a:tabLst/>
-                <a:defRPr/>
-              </a:pPr>
-              <a:r>
-                <a:rPr lang="en-GB" sz="2000" dirty="0">
-                  <a:latin typeface="Assistant" pitchFamily="2" charset="-79"/>
-                  <a:cs typeface="Assistant" pitchFamily="2" charset="-79"/>
-                </a:rPr>
-                <a:t>Use only uncensored time points to compute residuals:</a:t>
-              </a:r>
-            </a:p>
-            <a:p>
-              <a:pPr marL="171450" marR="0" lvl="0" indent="-171450" defTabSz="914400" rtl="0" eaLnBrk="1" fontAlgn="auto" latinLnBrk="0" hangingPunct="1">
-                <a:lnSpc>
-                  <a:spcPct val="100000"/>
-                </a:lnSpc>
-                <a:spcBef>
-                  <a:spcPts val="0"/>
-                </a:spcBef>
-                <a:spcAft>
-                  <a:spcPts val="600"/>
-                </a:spcAft>
-                <a:buClrTx/>
-                <a:buSzTx/>
-                <a:buFont typeface="Arial" panose="020B0604020202020204" pitchFamily="34" charset="0"/>
-                <a:buChar char="•"/>
-                <a:tabLst/>
-                <a:defRPr/>
-              </a:pPr>
-              <a:r>
-                <a:rPr lang="en-GB" sz="2000" dirty="0">
-                  <a:latin typeface="Assistant" pitchFamily="2" charset="-79"/>
-                  <a:cs typeface="Assistant" pitchFamily="2" charset="-79"/>
-                </a:rPr>
-                <a:t>rₜ = |yₜ - ŷₜ|</a:t>
-              </a:r>
-            </a:p>
-            <a:p>
-              <a:pPr marL="0" marR="0" lvl="0" indent="0" defTabSz="914400" rtl="0" eaLnBrk="1" fontAlgn="auto" latinLnBrk="0" hangingPunct="1">
-                <a:lnSpc>
-                  <a:spcPct val="100000"/>
-                </a:lnSpc>
-                <a:spcBef>
-                  <a:spcPts val="0"/>
-                </a:spcBef>
-                <a:spcAft>
-                  <a:spcPts val="600"/>
-                </a:spcAft>
-                <a:buClrTx/>
-                <a:buSzTx/>
-                <a:buFontTx/>
-                <a:buNone/>
-                <a:tabLst/>
-                <a:defRPr/>
-              </a:pPr>
-              <a:r>
-                <a:rPr lang="en-GB" sz="2000" dirty="0">
-                  <a:latin typeface="Assistant" pitchFamily="2" charset="-79"/>
-                  <a:cs typeface="Assistant" pitchFamily="2" charset="-79"/>
-                </a:rPr>
-                <a:t>Collect all residuals R</a:t>
-              </a:r>
-            </a:p>
-            <a:p>
-              <a:pPr marL="0" marR="0" lvl="0" indent="0" defTabSz="914400" rtl="0" eaLnBrk="1" fontAlgn="auto" latinLnBrk="0" hangingPunct="1">
-                <a:lnSpc>
-                  <a:spcPct val="100000"/>
-                </a:lnSpc>
-                <a:spcBef>
-                  <a:spcPts val="0"/>
-                </a:spcBef>
-                <a:spcAft>
-                  <a:spcPts val="600"/>
-                </a:spcAft>
-                <a:buClrTx/>
-                <a:buSzTx/>
-                <a:buFontTx/>
-                <a:buNone/>
-                <a:tabLst/>
-                <a:defRPr/>
-              </a:pPr>
-              <a:r>
-                <a:rPr lang="en-GB" sz="2000" dirty="0">
-                  <a:latin typeface="Assistant" pitchFamily="2" charset="-79"/>
-                  <a:cs typeface="Assistant" pitchFamily="2" charset="-79"/>
-                </a:rPr>
-                <a:t>Calculate conformal quantile:</a:t>
-              </a:r>
-            </a:p>
-            <a:p>
-              <a:pPr marL="171450" marR="0" lvl="0" indent="-171450" defTabSz="914400" rtl="0" eaLnBrk="1" fontAlgn="auto" latinLnBrk="0" hangingPunct="1">
-                <a:lnSpc>
-                  <a:spcPct val="100000"/>
-                </a:lnSpc>
-                <a:spcBef>
-                  <a:spcPts val="0"/>
-                </a:spcBef>
-                <a:spcAft>
-                  <a:spcPts val="600"/>
-                </a:spcAft>
-                <a:buClrTx/>
-                <a:buSzTx/>
-                <a:buFont typeface="Arial" panose="020B0604020202020204" pitchFamily="34" charset="0"/>
-                <a:buChar char="•"/>
-                <a:tabLst/>
-                <a:defRPr/>
-              </a:pPr>
-              <a:r>
-                <a:rPr lang="en-GB" sz="2000" dirty="0">
-                  <a:latin typeface="Assistant" pitchFamily="2" charset="-79"/>
-                  <a:cs typeface="Assistant" pitchFamily="2" charset="-79"/>
-                </a:rPr>
-                <a:t>q_α = Quantile₁₋α(R)</a:t>
-              </a:r>
-            </a:p>
-            <a:p>
-              <a:pPr marL="0" marR="0" lvl="0" indent="0" defTabSz="914400" rtl="0" eaLnBrk="1" fontAlgn="auto" latinLnBrk="0" hangingPunct="1">
-                <a:lnSpc>
-                  <a:spcPct val="100000"/>
-                </a:lnSpc>
-                <a:spcBef>
-                  <a:spcPts val="0"/>
-                </a:spcBef>
-                <a:spcAft>
-                  <a:spcPts val="600"/>
-                </a:spcAft>
-                <a:buClrTx/>
-                <a:buSzTx/>
-                <a:buFontTx/>
-                <a:buNone/>
-                <a:tabLst/>
-                <a:defRPr/>
-              </a:pPr>
-              <a:r>
-                <a:rPr lang="en-GB" sz="2000" dirty="0">
-                  <a:latin typeface="Assistant" pitchFamily="2" charset="-79"/>
-                  <a:cs typeface="Assistant" pitchFamily="2" charset="-79"/>
-                </a:rPr>
-                <a:t>Create prediction interval:</a:t>
-              </a:r>
-            </a:p>
-            <a:p>
-              <a:pPr marL="171450" marR="0" lvl="0" indent="-171450" defTabSz="914400" rtl="0" eaLnBrk="1" fontAlgn="auto" latinLnBrk="0" hangingPunct="1">
-                <a:lnSpc>
-                  <a:spcPct val="100000"/>
-                </a:lnSpc>
-                <a:spcBef>
-                  <a:spcPts val="0"/>
-                </a:spcBef>
-                <a:spcAft>
-                  <a:spcPts val="600"/>
-                </a:spcAft>
-                <a:buClrTx/>
-                <a:buSzTx/>
-                <a:buFont typeface="Arial" panose="020B0604020202020204" pitchFamily="34" charset="0"/>
-                <a:buChar char="•"/>
-                <a:tabLst/>
-                <a:defRPr/>
-              </a:pPr>
-              <a:r>
-                <a:rPr lang="en-GB" sz="2000" dirty="0">
-                  <a:latin typeface="Assistant" pitchFamily="2" charset="-79"/>
-                  <a:cs typeface="Assistant" pitchFamily="2" charset="-79"/>
-                </a:rPr>
-                <a:t>ŷₜ ± q_α, bounded below by 0</a:t>
-              </a:r>
-            </a:p>
-          </p:txBody>
-        </p:sp>
-      </p:grpSp>
+          </a:ln>
+        </p:spPr>
+        <p:txBody>
+          <a:bodyPr wrap="square">
+            <a:spAutoFit/>
+          </a:bodyPr>
+          <a:lstStyle/>
+          <a:p>
+            <a:pPr marL="0" marR="0" lvl="0" indent="0" defTabSz="914400" rtl="0" eaLnBrk="1" fontAlgn="auto" latinLnBrk="0" hangingPunct="1">
+              <a:lnSpc>
+                <a:spcPct val="100000"/>
+              </a:lnSpc>
+              <a:spcBef>
+                <a:spcPts val="0"/>
+              </a:spcBef>
+              <a:spcAft>
+                <a:spcPts val="600"/>
+              </a:spcAft>
+              <a:buClrTx/>
+              <a:buSzTx/>
+              <a:buFontTx/>
+              <a:buNone/>
+              <a:tabLst/>
+              <a:defRPr/>
+            </a:pPr>
+            <a:r>
+              <a:rPr lang="en-GB" sz="2000" b="1" dirty="0">
+                <a:solidFill>
+                  <a:prstClr val="black"/>
+                </a:solidFill>
+                <a:latin typeface="Aptos" panose="02110004020202020204"/>
+              </a:rPr>
+              <a:t>Quantify Uncertainty (Conformal Prediction)</a:t>
+            </a:r>
+          </a:p>
+          <a:p>
+            <a:pPr marL="0" marR="0" lvl="0" indent="0" defTabSz="914400" rtl="0" eaLnBrk="1" fontAlgn="auto" latinLnBrk="0" hangingPunct="1">
+              <a:lnSpc>
+                <a:spcPct val="100000"/>
+              </a:lnSpc>
+              <a:spcBef>
+                <a:spcPts val="0"/>
+              </a:spcBef>
+              <a:spcAft>
+                <a:spcPts val="600"/>
+              </a:spcAft>
+              <a:buClrTx/>
+              <a:buSzTx/>
+              <a:buFontTx/>
+              <a:buNone/>
+              <a:tabLst/>
+              <a:defRPr/>
+            </a:pPr>
+            <a:r>
+              <a:rPr lang="en-GB" sz="2000" dirty="0">
+                <a:latin typeface="Assistant" pitchFamily="2" charset="-79"/>
+                <a:cs typeface="Assistant" pitchFamily="2" charset="-79"/>
+              </a:rPr>
+              <a:t>Use only uncensored time points to compute residuals:</a:t>
+            </a:r>
+          </a:p>
+          <a:p>
+            <a:pPr marL="171450" marR="0" lvl="0" indent="-171450" defTabSz="914400" rtl="0" eaLnBrk="1" fontAlgn="auto" latinLnBrk="0" hangingPunct="1">
+              <a:lnSpc>
+                <a:spcPct val="100000"/>
+              </a:lnSpc>
+              <a:spcBef>
+                <a:spcPts val="0"/>
+              </a:spcBef>
+              <a:spcAft>
+                <a:spcPts val="600"/>
+              </a:spcAft>
+              <a:buClrTx/>
+              <a:buSzTx/>
+              <a:buFont typeface="Arial" panose="020B0604020202020204" pitchFamily="34" charset="0"/>
+              <a:buChar char="•"/>
+              <a:tabLst/>
+              <a:defRPr/>
+            </a:pPr>
+            <a:r>
+              <a:rPr lang="en-GB" sz="2000" dirty="0">
+                <a:latin typeface="Assistant" pitchFamily="2" charset="-79"/>
+                <a:cs typeface="Assistant" pitchFamily="2" charset="-79"/>
+              </a:rPr>
+              <a:t>rₜ = |yₜ - ŷₜ|</a:t>
+            </a:r>
+          </a:p>
+          <a:p>
+            <a:pPr marL="0" marR="0" lvl="0" indent="0" defTabSz="914400" rtl="0" eaLnBrk="1" fontAlgn="auto" latinLnBrk="0" hangingPunct="1">
+              <a:lnSpc>
+                <a:spcPct val="100000"/>
+              </a:lnSpc>
+              <a:spcBef>
+                <a:spcPts val="0"/>
+              </a:spcBef>
+              <a:spcAft>
+                <a:spcPts val="600"/>
+              </a:spcAft>
+              <a:buClrTx/>
+              <a:buSzTx/>
+              <a:buFontTx/>
+              <a:buNone/>
+              <a:tabLst/>
+              <a:defRPr/>
+            </a:pPr>
+            <a:r>
+              <a:rPr lang="en-GB" sz="2000" dirty="0">
+                <a:latin typeface="Assistant" pitchFamily="2" charset="-79"/>
+                <a:cs typeface="Assistant" pitchFamily="2" charset="-79"/>
+              </a:rPr>
+              <a:t>Collect all residuals R</a:t>
+            </a:r>
+          </a:p>
+          <a:p>
+            <a:pPr marL="0" marR="0" lvl="0" indent="0" defTabSz="914400" rtl="0" eaLnBrk="1" fontAlgn="auto" latinLnBrk="0" hangingPunct="1">
+              <a:lnSpc>
+                <a:spcPct val="100000"/>
+              </a:lnSpc>
+              <a:spcBef>
+                <a:spcPts val="0"/>
+              </a:spcBef>
+              <a:spcAft>
+                <a:spcPts val="600"/>
+              </a:spcAft>
+              <a:buClrTx/>
+              <a:buSzTx/>
+              <a:buFontTx/>
+              <a:buNone/>
+              <a:tabLst/>
+              <a:defRPr/>
+            </a:pPr>
+            <a:r>
+              <a:rPr lang="en-GB" sz="2000" dirty="0">
+                <a:latin typeface="Assistant" pitchFamily="2" charset="-79"/>
+                <a:cs typeface="Assistant" pitchFamily="2" charset="-79"/>
+              </a:rPr>
+              <a:t>Calculate conformal quantile:</a:t>
+            </a:r>
+          </a:p>
+          <a:p>
+            <a:pPr marL="171450" marR="0" lvl="0" indent="-171450" defTabSz="914400" rtl="0" eaLnBrk="1" fontAlgn="auto" latinLnBrk="0" hangingPunct="1">
+              <a:lnSpc>
+                <a:spcPct val="100000"/>
+              </a:lnSpc>
+              <a:spcBef>
+                <a:spcPts val="0"/>
+              </a:spcBef>
+              <a:spcAft>
+                <a:spcPts val="600"/>
+              </a:spcAft>
+              <a:buClrTx/>
+              <a:buSzTx/>
+              <a:buFont typeface="Arial" panose="020B0604020202020204" pitchFamily="34" charset="0"/>
+              <a:buChar char="•"/>
+              <a:tabLst/>
+              <a:defRPr/>
+            </a:pPr>
+            <a:r>
+              <a:rPr lang="en-GB" sz="2000" dirty="0">
+                <a:latin typeface="Assistant" pitchFamily="2" charset="-79"/>
+                <a:cs typeface="Assistant" pitchFamily="2" charset="-79"/>
+              </a:rPr>
+              <a:t>q_α = Quantile₁₋α(R)</a:t>
+            </a:r>
+          </a:p>
+          <a:p>
+            <a:pPr marL="0" marR="0" lvl="0" indent="0" defTabSz="914400" rtl="0" eaLnBrk="1" fontAlgn="auto" latinLnBrk="0" hangingPunct="1">
+              <a:lnSpc>
+                <a:spcPct val="100000"/>
+              </a:lnSpc>
+              <a:spcBef>
+                <a:spcPts val="0"/>
+              </a:spcBef>
+              <a:spcAft>
+                <a:spcPts val="600"/>
+              </a:spcAft>
+              <a:buClrTx/>
+              <a:buSzTx/>
+              <a:buFontTx/>
+              <a:buNone/>
+              <a:tabLst/>
+              <a:defRPr/>
+            </a:pPr>
+            <a:r>
+              <a:rPr lang="en-GB" sz="2000" dirty="0">
+                <a:latin typeface="Assistant" pitchFamily="2" charset="-79"/>
+                <a:cs typeface="Assistant" pitchFamily="2" charset="-79"/>
+              </a:rPr>
+              <a:t>Create prediction interval:</a:t>
+            </a:r>
+          </a:p>
+          <a:p>
+            <a:pPr marL="171450" marR="0" lvl="0" indent="-171450" defTabSz="914400" rtl="0" eaLnBrk="1" fontAlgn="auto" latinLnBrk="0" hangingPunct="1">
+              <a:lnSpc>
+                <a:spcPct val="100000"/>
+              </a:lnSpc>
+              <a:spcBef>
+                <a:spcPts val="0"/>
+              </a:spcBef>
+              <a:spcAft>
+                <a:spcPts val="600"/>
+              </a:spcAft>
+              <a:buClrTx/>
+              <a:buSzTx/>
+              <a:buFont typeface="Arial" panose="020B0604020202020204" pitchFamily="34" charset="0"/>
+              <a:buChar char="•"/>
+              <a:tabLst/>
+              <a:defRPr/>
+            </a:pPr>
+            <a:r>
+              <a:rPr lang="en-GB" sz="2000" dirty="0">
+                <a:latin typeface="Assistant" pitchFamily="2" charset="-79"/>
+                <a:cs typeface="Assistant" pitchFamily="2" charset="-79"/>
+              </a:rPr>
+              <a:t>ŷₜ ± q_α, bounded below by 0</a:t>
+            </a:r>
+          </a:p>
+        </p:txBody>
+      </p:sp>
       <p:cxnSp>
         <p:nvCxnSpPr>
           <p:cNvPr id="31" name="Straight Arrow Connector 30">
